--- a/ChemGCNs/results_figure/shap/shap.pptx
+++ b/ChemGCNs/results_figure/shap/shap.pptx
@@ -1,14 +1,21 @@
 
 <file path=ppt/presentation.xml><?xml version="1.0" encoding="utf-8"?>
-<p:presentation xmlns:a="http://schemas.openxmlformats.org/drawingml/2006/main" xmlns:r="http://schemas.openxmlformats.org/officeDocument/2006/relationships" xmlns:p="http://schemas.openxmlformats.org/presentationml/2006/main" saveSubsetFonts="1">
+<p:presentation xmlns:a="http://schemas.openxmlformats.org/drawingml/2006/main" xmlns:r="http://schemas.openxmlformats.org/officeDocument/2006/relationships" xmlns:p="http://schemas.openxmlformats.org/presentationml/2006/main" embedTrueTypeFonts="1" saveSubsetFonts="1">
   <p:sldMasterIdLst>
-    <p:sldMasterId id="2147483684" r:id="rId1"/>
+    <p:sldMasterId id="2147483708" r:id="rId1"/>
   </p:sldMasterIdLst>
   <p:sldIdLst>
-    <p:sldId id="256" r:id="rId2"/>
+    <p:sldId id="257" r:id="rId2"/>
+    <p:sldId id="259" r:id="rId3"/>
   </p:sldIdLst>
-  <p:sldSz cx="6119813" cy="2519363"/>
+  <p:sldSz cx="6119813" cy="4679950"/>
   <p:notesSz cx="6858000" cy="9144000"/>
+  <p:embeddedFontLst>
+    <p:embeddedFont>
+      <p:font typeface="Sans Serif Collection" panose="020B0502040504020204" pitchFamily="34" charset="0"/>
+      <p:regular r:id="rId4"/>
+    </p:embeddedFont>
+  </p:embeddedFontLst>
   <p:defaultTextStyle>
     <a:defPPr>
       <a:defRPr lang="en-US"/>
@@ -104,6 +111,11 @@
       </a:defRPr>
     </a:lvl9pPr>
   </p:defaultTextStyle>
+  <p:extLst>
+    <p:ext uri="{EFAFB233-063F-42B5-8137-9DF3F51BA10A}">
+      <p15:sldGuideLst xmlns:p15="http://schemas.microsoft.com/office/powerpoint/2012/main"/>
+    </p:ext>
+  </p:extLst>
 </p:presentation>
 </file>
 
@@ -136,15 +148,15 @@
         </p:nvSpPr>
         <p:spPr>
           <a:xfrm>
-            <a:off x="764977" y="412312"/>
-            <a:ext cx="4589860" cy="877112"/>
+            <a:off x="458986" y="765909"/>
+            <a:ext cx="5201841" cy="1629316"/>
           </a:xfrm>
         </p:spPr>
         <p:txBody>
           <a:bodyPr anchor="b"/>
           <a:lstStyle>
             <a:lvl1pPr algn="ctr">
-              <a:defRPr sz="2204"/>
+              <a:defRPr sz="4016"/>
             </a:lvl1pPr>
           </a:lstStyle>
           <a:p>
@@ -168,8 +180,8 @@
         </p:nvSpPr>
         <p:spPr>
           <a:xfrm>
-            <a:off x="764977" y="1323250"/>
-            <a:ext cx="4589860" cy="608263"/>
+            <a:off x="764977" y="2458058"/>
+            <a:ext cx="4589860" cy="1129904"/>
           </a:xfrm>
         </p:spPr>
         <p:txBody>
@@ -177,39 +189,39 @@
           <a:lstStyle>
             <a:lvl1pPr marL="0" indent="0" algn="ctr">
               <a:buNone/>
-              <a:defRPr sz="882"/>
+              <a:defRPr sz="1606"/>
             </a:lvl1pPr>
-            <a:lvl2pPr marL="167974" indent="0" algn="ctr">
-              <a:buNone/>
-              <a:defRPr sz="735"/>
+            <a:lvl2pPr marL="306004" indent="0" algn="ctr">
+              <a:buNone/>
+              <a:defRPr sz="1339"/>
             </a:lvl2pPr>
-            <a:lvl3pPr marL="335947" indent="0" algn="ctr">
-              <a:buNone/>
-              <a:defRPr sz="661"/>
+            <a:lvl3pPr marL="612008" indent="0" algn="ctr">
+              <a:buNone/>
+              <a:defRPr sz="1205"/>
             </a:lvl3pPr>
-            <a:lvl4pPr marL="503921" indent="0" algn="ctr">
-              <a:buNone/>
-              <a:defRPr sz="588"/>
+            <a:lvl4pPr marL="918012" indent="0" algn="ctr">
+              <a:buNone/>
+              <a:defRPr sz="1071"/>
             </a:lvl4pPr>
-            <a:lvl5pPr marL="671893" indent="0" algn="ctr">
-              <a:buNone/>
-              <a:defRPr sz="588"/>
+            <a:lvl5pPr marL="1224016" indent="0" algn="ctr">
+              <a:buNone/>
+              <a:defRPr sz="1071"/>
             </a:lvl5pPr>
-            <a:lvl6pPr marL="839867" indent="0" algn="ctr">
-              <a:buNone/>
-              <a:defRPr sz="588"/>
+            <a:lvl6pPr marL="1530020" indent="0" algn="ctr">
+              <a:buNone/>
+              <a:defRPr sz="1071"/>
             </a:lvl6pPr>
-            <a:lvl7pPr marL="1007842" indent="0" algn="ctr">
-              <a:buNone/>
-              <a:defRPr sz="588"/>
+            <a:lvl7pPr marL="1836024" indent="0" algn="ctr">
+              <a:buNone/>
+              <a:defRPr sz="1071"/>
             </a:lvl7pPr>
-            <a:lvl8pPr marL="1175814" indent="0" algn="ctr">
-              <a:buNone/>
-              <a:defRPr sz="588"/>
+            <a:lvl8pPr marL="2142028" indent="0" algn="ctr">
+              <a:buNone/>
+              <a:defRPr sz="1071"/>
             </a:lvl8pPr>
-            <a:lvl9pPr marL="1343788" indent="0" algn="ctr">
-              <a:buNone/>
-              <a:defRPr sz="588"/>
+            <a:lvl9pPr marL="2448032" indent="0" algn="ctr">
+              <a:buNone/>
+              <a:defRPr sz="1071"/>
             </a:lvl9pPr>
           </a:lstStyle>
           <a:p>
@@ -238,7 +250,7 @@
           <a:p>
             <a:fld id="{56E1CD91-A199-4E48-9401-4E0FA232E7D1}" type="datetimeFigureOut">
               <a:rPr lang="ko-KR" altLang="en-US" smtClean="0"/>
-              <a:t>2025-11-25</a:t>
+              <a:t>2025-11-29</a:t>
             </a:fld>
             <a:endParaRPr lang="ko-KR" altLang="en-US"/>
           </a:p>
@@ -289,7 +301,7 @@
     </p:spTree>
     <p:extLst>
       <p:ext uri="{BB962C8B-B14F-4D97-AF65-F5344CB8AC3E}">
-        <p14:creationId xmlns:p14="http://schemas.microsoft.com/office/powerpoint/2010/main" val="209639210"/>
+        <p14:creationId xmlns:p14="http://schemas.microsoft.com/office/powerpoint/2010/main" val="852455805"/>
       </p:ext>
     </p:extLst>
   </p:cSld>
@@ -408,7 +420,7 @@
           <a:p>
             <a:fld id="{56E1CD91-A199-4E48-9401-4E0FA232E7D1}" type="datetimeFigureOut">
               <a:rPr lang="ko-KR" altLang="en-US" smtClean="0"/>
-              <a:t>2025-11-25</a:t>
+              <a:t>2025-11-29</a:t>
             </a:fld>
             <a:endParaRPr lang="ko-KR" altLang="en-US"/>
           </a:p>
@@ -459,7 +471,7 @@
     </p:spTree>
     <p:extLst>
       <p:ext uri="{BB962C8B-B14F-4D97-AF65-F5344CB8AC3E}">
-        <p14:creationId xmlns:p14="http://schemas.microsoft.com/office/powerpoint/2010/main" val="1862596169"/>
+        <p14:creationId xmlns:p14="http://schemas.microsoft.com/office/powerpoint/2010/main" val="3586290669"/>
       </p:ext>
     </p:extLst>
   </p:cSld>
@@ -498,8 +510,8 @@
         </p:nvSpPr>
         <p:spPr>
           <a:xfrm>
-            <a:off x="4379493" y="134133"/>
-            <a:ext cx="1319585" cy="2135044"/>
+            <a:off x="4379491" y="249164"/>
+            <a:ext cx="1319585" cy="3966041"/>
           </a:xfrm>
         </p:spPr>
         <p:txBody>
@@ -526,8 +538,8 @@
         </p:nvSpPr>
         <p:spPr>
           <a:xfrm>
-            <a:off x="420737" y="134133"/>
-            <a:ext cx="3882256" cy="2135044"/>
+            <a:off x="420738" y="249164"/>
+            <a:ext cx="3882256" cy="3966041"/>
           </a:xfrm>
         </p:spPr>
         <p:txBody>
@@ -588,7 +600,7 @@
           <a:p>
             <a:fld id="{56E1CD91-A199-4E48-9401-4E0FA232E7D1}" type="datetimeFigureOut">
               <a:rPr lang="ko-KR" altLang="en-US" smtClean="0"/>
-              <a:t>2025-11-25</a:t>
+              <a:t>2025-11-29</a:t>
             </a:fld>
             <a:endParaRPr lang="ko-KR" altLang="en-US"/>
           </a:p>
@@ -639,7 +651,7 @@
     </p:spTree>
     <p:extLst>
       <p:ext uri="{BB962C8B-B14F-4D97-AF65-F5344CB8AC3E}">
-        <p14:creationId xmlns:p14="http://schemas.microsoft.com/office/powerpoint/2010/main" val="3722714270"/>
+        <p14:creationId xmlns:p14="http://schemas.microsoft.com/office/powerpoint/2010/main" val="699264490"/>
       </p:ext>
     </p:extLst>
   </p:cSld>
@@ -758,7 +770,7 @@
           <a:p>
             <a:fld id="{56E1CD91-A199-4E48-9401-4E0FA232E7D1}" type="datetimeFigureOut">
               <a:rPr lang="ko-KR" altLang="en-US" smtClean="0"/>
-              <a:t>2025-11-25</a:t>
+              <a:t>2025-11-29</a:t>
             </a:fld>
             <a:endParaRPr lang="ko-KR" altLang="en-US"/>
           </a:p>
@@ -809,7 +821,7 @@
     </p:spTree>
     <p:extLst>
       <p:ext uri="{BB962C8B-B14F-4D97-AF65-F5344CB8AC3E}">
-        <p14:creationId xmlns:p14="http://schemas.microsoft.com/office/powerpoint/2010/main" val="247100547"/>
+        <p14:creationId xmlns:p14="http://schemas.microsoft.com/office/powerpoint/2010/main" val="3579466809"/>
       </p:ext>
     </p:extLst>
   </p:cSld>
@@ -848,15 +860,15 @@
         </p:nvSpPr>
         <p:spPr>
           <a:xfrm>
-            <a:off x="417552" y="628091"/>
-            <a:ext cx="5278339" cy="1047985"/>
+            <a:off x="417550" y="1166739"/>
+            <a:ext cx="5278339" cy="1946729"/>
           </a:xfrm>
         </p:spPr>
         <p:txBody>
           <a:bodyPr anchor="b"/>
           <a:lstStyle>
             <a:lvl1pPr>
-              <a:defRPr sz="2204"/>
+              <a:defRPr sz="4016"/>
             </a:lvl1pPr>
           </a:lstStyle>
           <a:p>
@@ -880,8 +892,8 @@
         </p:nvSpPr>
         <p:spPr>
           <a:xfrm>
-            <a:off x="417552" y="1685991"/>
-            <a:ext cx="5278339" cy="551110"/>
+            <a:off x="417550" y="3131884"/>
+            <a:ext cx="5278339" cy="1023739"/>
           </a:xfrm>
         </p:spPr>
         <p:txBody>
@@ -889,17 +901,15 @@
           <a:lstStyle>
             <a:lvl1pPr marL="0" indent="0">
               <a:buNone/>
-              <a:defRPr sz="882">
+              <a:defRPr sz="1606">
                 <a:solidFill>
-                  <a:schemeClr val="tx1">
-                    <a:tint val="75000"/>
-                  </a:schemeClr>
+                  <a:schemeClr val="tx1"/>
                 </a:solidFill>
               </a:defRPr>
             </a:lvl1pPr>
-            <a:lvl2pPr marL="167974" indent="0">
-              <a:buNone/>
-              <a:defRPr sz="735">
+            <a:lvl2pPr marL="306004" indent="0">
+              <a:buNone/>
+              <a:defRPr sz="1339">
                 <a:solidFill>
                   <a:schemeClr val="tx1">
                     <a:tint val="75000"/>
@@ -907,9 +917,9 @@
                 </a:solidFill>
               </a:defRPr>
             </a:lvl2pPr>
-            <a:lvl3pPr marL="335947" indent="0">
-              <a:buNone/>
-              <a:defRPr sz="661">
+            <a:lvl3pPr marL="612008" indent="0">
+              <a:buNone/>
+              <a:defRPr sz="1205">
                 <a:solidFill>
                   <a:schemeClr val="tx1">
                     <a:tint val="75000"/>
@@ -917,9 +927,9 @@
                 </a:solidFill>
               </a:defRPr>
             </a:lvl3pPr>
-            <a:lvl4pPr marL="503921" indent="0">
-              <a:buNone/>
-              <a:defRPr sz="588">
+            <a:lvl4pPr marL="918012" indent="0">
+              <a:buNone/>
+              <a:defRPr sz="1071">
                 <a:solidFill>
                   <a:schemeClr val="tx1">
                     <a:tint val="75000"/>
@@ -927,9 +937,9 @@
                 </a:solidFill>
               </a:defRPr>
             </a:lvl4pPr>
-            <a:lvl5pPr marL="671893" indent="0">
-              <a:buNone/>
-              <a:defRPr sz="588">
+            <a:lvl5pPr marL="1224016" indent="0">
+              <a:buNone/>
+              <a:defRPr sz="1071">
                 <a:solidFill>
                   <a:schemeClr val="tx1">
                     <a:tint val="75000"/>
@@ -937,9 +947,9 @@
                 </a:solidFill>
               </a:defRPr>
             </a:lvl5pPr>
-            <a:lvl6pPr marL="839867" indent="0">
-              <a:buNone/>
-              <a:defRPr sz="588">
+            <a:lvl6pPr marL="1530020" indent="0">
+              <a:buNone/>
+              <a:defRPr sz="1071">
                 <a:solidFill>
                   <a:schemeClr val="tx1">
                     <a:tint val="75000"/>
@@ -947,9 +957,9 @@
                 </a:solidFill>
               </a:defRPr>
             </a:lvl6pPr>
-            <a:lvl7pPr marL="1007842" indent="0">
-              <a:buNone/>
-              <a:defRPr sz="588">
+            <a:lvl7pPr marL="1836024" indent="0">
+              <a:buNone/>
+              <a:defRPr sz="1071">
                 <a:solidFill>
                   <a:schemeClr val="tx1">
                     <a:tint val="75000"/>
@@ -957,9 +967,9 @@
                 </a:solidFill>
               </a:defRPr>
             </a:lvl7pPr>
-            <a:lvl8pPr marL="1175814" indent="0">
-              <a:buNone/>
-              <a:defRPr sz="588">
+            <a:lvl8pPr marL="2142028" indent="0">
+              <a:buNone/>
+              <a:defRPr sz="1071">
                 <a:solidFill>
                   <a:schemeClr val="tx1">
                     <a:tint val="75000"/>
@@ -967,9 +977,9 @@
                 </a:solidFill>
               </a:defRPr>
             </a:lvl8pPr>
-            <a:lvl9pPr marL="1343788" indent="0">
-              <a:buNone/>
-              <a:defRPr sz="588">
+            <a:lvl9pPr marL="2448032" indent="0">
+              <a:buNone/>
+              <a:defRPr sz="1071">
                 <a:solidFill>
                   <a:schemeClr val="tx1">
                     <a:tint val="75000"/>
@@ -1004,7 +1014,7 @@
           <a:p>
             <a:fld id="{56E1CD91-A199-4E48-9401-4E0FA232E7D1}" type="datetimeFigureOut">
               <a:rPr lang="ko-KR" altLang="en-US" smtClean="0"/>
-              <a:t>2025-11-25</a:t>
+              <a:t>2025-11-29</a:t>
             </a:fld>
             <a:endParaRPr lang="ko-KR" altLang="en-US"/>
           </a:p>
@@ -1055,7 +1065,7 @@
     </p:spTree>
     <p:extLst>
       <p:ext uri="{BB962C8B-B14F-4D97-AF65-F5344CB8AC3E}">
-        <p14:creationId xmlns:p14="http://schemas.microsoft.com/office/powerpoint/2010/main" val="3625941743"/>
+        <p14:creationId xmlns:p14="http://schemas.microsoft.com/office/powerpoint/2010/main" val="48186580"/>
       </p:ext>
     </p:extLst>
   </p:cSld>
@@ -1117,8 +1127,8 @@
         </p:nvSpPr>
         <p:spPr>
           <a:xfrm>
-            <a:off x="420739" y="670665"/>
-            <a:ext cx="2600921" cy="1598513"/>
+            <a:off x="420737" y="1245820"/>
+            <a:ext cx="2600921" cy="2969385"/>
           </a:xfrm>
         </p:spPr>
         <p:txBody>
@@ -1174,8 +1184,8 @@
         </p:nvSpPr>
         <p:spPr>
           <a:xfrm>
-            <a:off x="3098157" y="670665"/>
-            <a:ext cx="2600921" cy="1598513"/>
+            <a:off x="3098155" y="1245820"/>
+            <a:ext cx="2600921" cy="2969385"/>
           </a:xfrm>
         </p:spPr>
         <p:txBody>
@@ -1236,7 +1246,7 @@
           <a:p>
             <a:fld id="{56E1CD91-A199-4E48-9401-4E0FA232E7D1}" type="datetimeFigureOut">
               <a:rPr lang="ko-KR" altLang="en-US" smtClean="0"/>
-              <a:t>2025-11-25</a:t>
+              <a:t>2025-11-29</a:t>
             </a:fld>
             <a:endParaRPr lang="ko-KR" altLang="en-US"/>
           </a:p>
@@ -1287,7 +1297,7 @@
     </p:spTree>
     <p:extLst>
       <p:ext uri="{BB962C8B-B14F-4D97-AF65-F5344CB8AC3E}">
-        <p14:creationId xmlns:p14="http://schemas.microsoft.com/office/powerpoint/2010/main" val="1205360226"/>
+        <p14:creationId xmlns:p14="http://schemas.microsoft.com/office/powerpoint/2010/main" val="3195188460"/>
       </p:ext>
     </p:extLst>
   </p:cSld>
@@ -1326,8 +1336,8 @@
         </p:nvSpPr>
         <p:spPr>
           <a:xfrm>
-            <a:off x="421536" y="134133"/>
-            <a:ext cx="5278339" cy="486960"/>
+            <a:off x="421534" y="249165"/>
+            <a:ext cx="5278339" cy="904574"/>
           </a:xfrm>
         </p:spPr>
         <p:txBody>
@@ -1354,8 +1364,8 @@
         </p:nvSpPr>
         <p:spPr>
           <a:xfrm>
-            <a:off x="421534" y="617595"/>
-            <a:ext cx="2588968" cy="302673"/>
+            <a:off x="421535" y="1147238"/>
+            <a:ext cx="2588967" cy="562244"/>
           </a:xfrm>
         </p:spPr>
         <p:txBody>
@@ -1363,39 +1373,39 @@
           <a:lstStyle>
             <a:lvl1pPr marL="0" indent="0">
               <a:buNone/>
-              <a:defRPr sz="882" b="1"/>
+              <a:defRPr sz="1606" b="1"/>
             </a:lvl1pPr>
-            <a:lvl2pPr marL="167974" indent="0">
-              <a:buNone/>
-              <a:defRPr sz="735" b="1"/>
+            <a:lvl2pPr marL="306004" indent="0">
+              <a:buNone/>
+              <a:defRPr sz="1339" b="1"/>
             </a:lvl2pPr>
-            <a:lvl3pPr marL="335947" indent="0">
-              <a:buNone/>
-              <a:defRPr sz="661" b="1"/>
+            <a:lvl3pPr marL="612008" indent="0">
+              <a:buNone/>
+              <a:defRPr sz="1205" b="1"/>
             </a:lvl3pPr>
-            <a:lvl4pPr marL="503921" indent="0">
-              <a:buNone/>
-              <a:defRPr sz="588" b="1"/>
+            <a:lvl4pPr marL="918012" indent="0">
+              <a:buNone/>
+              <a:defRPr sz="1071" b="1"/>
             </a:lvl4pPr>
-            <a:lvl5pPr marL="671893" indent="0">
-              <a:buNone/>
-              <a:defRPr sz="588" b="1"/>
+            <a:lvl5pPr marL="1224016" indent="0">
+              <a:buNone/>
+              <a:defRPr sz="1071" b="1"/>
             </a:lvl5pPr>
-            <a:lvl6pPr marL="839867" indent="0">
-              <a:buNone/>
-              <a:defRPr sz="588" b="1"/>
+            <a:lvl6pPr marL="1530020" indent="0">
+              <a:buNone/>
+              <a:defRPr sz="1071" b="1"/>
             </a:lvl6pPr>
-            <a:lvl7pPr marL="1007842" indent="0">
-              <a:buNone/>
-              <a:defRPr sz="588" b="1"/>
+            <a:lvl7pPr marL="1836024" indent="0">
+              <a:buNone/>
+              <a:defRPr sz="1071" b="1"/>
             </a:lvl7pPr>
-            <a:lvl8pPr marL="1175814" indent="0">
-              <a:buNone/>
-              <a:defRPr sz="588" b="1"/>
+            <a:lvl8pPr marL="2142028" indent="0">
+              <a:buNone/>
+              <a:defRPr sz="1071" b="1"/>
             </a:lvl8pPr>
-            <a:lvl9pPr marL="1343788" indent="0">
-              <a:buNone/>
-              <a:defRPr sz="588" b="1"/>
+            <a:lvl9pPr marL="2448032" indent="0">
+              <a:buNone/>
+              <a:defRPr sz="1071" b="1"/>
             </a:lvl9pPr>
           </a:lstStyle>
           <a:p>
@@ -1419,8 +1429,8 @@
         </p:nvSpPr>
         <p:spPr>
           <a:xfrm>
-            <a:off x="421534" y="920268"/>
-            <a:ext cx="2588968" cy="1353575"/>
+            <a:off x="421535" y="1709482"/>
+            <a:ext cx="2588967" cy="2514390"/>
           </a:xfrm>
         </p:spPr>
         <p:txBody>
@@ -1476,8 +1486,8 @@
         </p:nvSpPr>
         <p:spPr>
           <a:xfrm>
-            <a:off x="3098155" y="617595"/>
-            <a:ext cx="2601718" cy="302673"/>
+            <a:off x="3098155" y="1147238"/>
+            <a:ext cx="2601718" cy="562244"/>
           </a:xfrm>
         </p:spPr>
         <p:txBody>
@@ -1485,39 +1495,39 @@
           <a:lstStyle>
             <a:lvl1pPr marL="0" indent="0">
               <a:buNone/>
-              <a:defRPr sz="882" b="1"/>
+              <a:defRPr sz="1606" b="1"/>
             </a:lvl1pPr>
-            <a:lvl2pPr marL="167974" indent="0">
-              <a:buNone/>
-              <a:defRPr sz="735" b="1"/>
+            <a:lvl2pPr marL="306004" indent="0">
+              <a:buNone/>
+              <a:defRPr sz="1339" b="1"/>
             </a:lvl2pPr>
-            <a:lvl3pPr marL="335947" indent="0">
-              <a:buNone/>
-              <a:defRPr sz="661" b="1"/>
+            <a:lvl3pPr marL="612008" indent="0">
+              <a:buNone/>
+              <a:defRPr sz="1205" b="1"/>
             </a:lvl3pPr>
-            <a:lvl4pPr marL="503921" indent="0">
-              <a:buNone/>
-              <a:defRPr sz="588" b="1"/>
+            <a:lvl4pPr marL="918012" indent="0">
+              <a:buNone/>
+              <a:defRPr sz="1071" b="1"/>
             </a:lvl4pPr>
-            <a:lvl5pPr marL="671893" indent="0">
-              <a:buNone/>
-              <a:defRPr sz="588" b="1"/>
+            <a:lvl5pPr marL="1224016" indent="0">
+              <a:buNone/>
+              <a:defRPr sz="1071" b="1"/>
             </a:lvl5pPr>
-            <a:lvl6pPr marL="839867" indent="0">
-              <a:buNone/>
-              <a:defRPr sz="588" b="1"/>
+            <a:lvl6pPr marL="1530020" indent="0">
+              <a:buNone/>
+              <a:defRPr sz="1071" b="1"/>
             </a:lvl6pPr>
-            <a:lvl7pPr marL="1007842" indent="0">
-              <a:buNone/>
-              <a:defRPr sz="588" b="1"/>
+            <a:lvl7pPr marL="1836024" indent="0">
+              <a:buNone/>
+              <a:defRPr sz="1071" b="1"/>
             </a:lvl7pPr>
-            <a:lvl8pPr marL="1175814" indent="0">
-              <a:buNone/>
-              <a:defRPr sz="588" b="1"/>
+            <a:lvl8pPr marL="2142028" indent="0">
+              <a:buNone/>
+              <a:defRPr sz="1071" b="1"/>
             </a:lvl8pPr>
-            <a:lvl9pPr marL="1343788" indent="0">
-              <a:buNone/>
-              <a:defRPr sz="588" b="1"/>
+            <a:lvl9pPr marL="2448032" indent="0">
+              <a:buNone/>
+              <a:defRPr sz="1071" b="1"/>
             </a:lvl9pPr>
           </a:lstStyle>
           <a:p>
@@ -1541,8 +1551,8 @@
         </p:nvSpPr>
         <p:spPr>
           <a:xfrm>
-            <a:off x="3098155" y="920268"/>
-            <a:ext cx="2601718" cy="1353575"/>
+            <a:off x="3098155" y="1709482"/>
+            <a:ext cx="2601718" cy="2514390"/>
           </a:xfrm>
         </p:spPr>
         <p:txBody>
@@ -1603,7 +1613,7 @@
           <a:p>
             <a:fld id="{56E1CD91-A199-4E48-9401-4E0FA232E7D1}" type="datetimeFigureOut">
               <a:rPr lang="ko-KR" altLang="en-US" smtClean="0"/>
-              <a:t>2025-11-25</a:t>
+              <a:t>2025-11-29</a:t>
             </a:fld>
             <a:endParaRPr lang="ko-KR" altLang="en-US"/>
           </a:p>
@@ -1654,7 +1664,7 @@
     </p:spTree>
     <p:extLst>
       <p:ext uri="{BB962C8B-B14F-4D97-AF65-F5344CB8AC3E}">
-        <p14:creationId xmlns:p14="http://schemas.microsoft.com/office/powerpoint/2010/main" val="4050182132"/>
+        <p14:creationId xmlns:p14="http://schemas.microsoft.com/office/powerpoint/2010/main" val="3701553548"/>
       </p:ext>
     </p:extLst>
   </p:cSld>
@@ -1721,7 +1731,7 @@
           <a:p>
             <a:fld id="{56E1CD91-A199-4E48-9401-4E0FA232E7D1}" type="datetimeFigureOut">
               <a:rPr lang="ko-KR" altLang="en-US" smtClean="0"/>
-              <a:t>2025-11-25</a:t>
+              <a:t>2025-11-29</a:t>
             </a:fld>
             <a:endParaRPr lang="ko-KR" altLang="en-US"/>
           </a:p>
@@ -1772,7 +1782,7 @@
     </p:spTree>
     <p:extLst>
       <p:ext uri="{BB962C8B-B14F-4D97-AF65-F5344CB8AC3E}">
-        <p14:creationId xmlns:p14="http://schemas.microsoft.com/office/powerpoint/2010/main" val="2431492493"/>
+        <p14:creationId xmlns:p14="http://schemas.microsoft.com/office/powerpoint/2010/main" val="1034911323"/>
       </p:ext>
     </p:extLst>
   </p:cSld>
@@ -1816,7 +1826,7 @@
           <a:p>
             <a:fld id="{56E1CD91-A199-4E48-9401-4E0FA232E7D1}" type="datetimeFigureOut">
               <a:rPr lang="ko-KR" altLang="en-US" smtClean="0"/>
-              <a:t>2025-11-25</a:t>
+              <a:t>2025-11-29</a:t>
             </a:fld>
             <a:endParaRPr lang="ko-KR" altLang="en-US"/>
           </a:p>
@@ -1867,7 +1877,7 @@
     </p:spTree>
     <p:extLst>
       <p:ext uri="{BB962C8B-B14F-4D97-AF65-F5344CB8AC3E}">
-        <p14:creationId xmlns:p14="http://schemas.microsoft.com/office/powerpoint/2010/main" val="4146445062"/>
+        <p14:creationId xmlns:p14="http://schemas.microsoft.com/office/powerpoint/2010/main" val="617835328"/>
       </p:ext>
     </p:extLst>
   </p:cSld>
@@ -1906,15 +1916,15 @@
         </p:nvSpPr>
         <p:spPr>
           <a:xfrm>
-            <a:off x="421536" y="167959"/>
-            <a:ext cx="1973799" cy="587851"/>
+            <a:off x="421534" y="311997"/>
+            <a:ext cx="1973799" cy="1091988"/>
           </a:xfrm>
         </p:spPr>
         <p:txBody>
           <a:bodyPr anchor="b"/>
           <a:lstStyle>
             <a:lvl1pPr>
-              <a:defRPr sz="1176"/>
+              <a:defRPr sz="2142"/>
             </a:lvl1pPr>
           </a:lstStyle>
           <a:p>
@@ -1938,39 +1948,39 @@
         </p:nvSpPr>
         <p:spPr>
           <a:xfrm>
-            <a:off x="2601720" y="362743"/>
-            <a:ext cx="3098155" cy="1790381"/>
+            <a:off x="2601718" y="673827"/>
+            <a:ext cx="3098155" cy="3325798"/>
           </a:xfrm>
         </p:spPr>
         <p:txBody>
           <a:bodyPr/>
           <a:lstStyle>
             <a:lvl1pPr>
-              <a:defRPr sz="1176"/>
+              <a:defRPr sz="2142"/>
             </a:lvl1pPr>
             <a:lvl2pPr>
-              <a:defRPr sz="1029"/>
+              <a:defRPr sz="1874"/>
             </a:lvl2pPr>
             <a:lvl3pPr>
-              <a:defRPr sz="882"/>
+              <a:defRPr sz="1606"/>
             </a:lvl3pPr>
             <a:lvl4pPr>
-              <a:defRPr sz="735"/>
+              <a:defRPr sz="1339"/>
             </a:lvl4pPr>
             <a:lvl5pPr>
-              <a:defRPr sz="735"/>
+              <a:defRPr sz="1339"/>
             </a:lvl5pPr>
             <a:lvl6pPr>
-              <a:defRPr sz="735"/>
+              <a:defRPr sz="1339"/>
             </a:lvl6pPr>
             <a:lvl7pPr>
-              <a:defRPr sz="735"/>
+              <a:defRPr sz="1339"/>
             </a:lvl7pPr>
             <a:lvl8pPr>
-              <a:defRPr sz="735"/>
+              <a:defRPr sz="1339"/>
             </a:lvl8pPr>
             <a:lvl9pPr>
-              <a:defRPr sz="735"/>
+              <a:defRPr sz="1339"/>
             </a:lvl9pPr>
           </a:lstStyle>
           <a:p>
@@ -2023,8 +2033,8 @@
         </p:nvSpPr>
         <p:spPr>
           <a:xfrm>
-            <a:off x="421536" y="755810"/>
-            <a:ext cx="1973799" cy="1400229"/>
+            <a:off x="421534" y="1403985"/>
+            <a:ext cx="1973799" cy="2601056"/>
           </a:xfrm>
         </p:spPr>
         <p:txBody>
@@ -2032,39 +2042,39 @@
           <a:lstStyle>
             <a:lvl1pPr marL="0" indent="0">
               <a:buNone/>
-              <a:defRPr sz="588"/>
+              <a:defRPr sz="1071"/>
             </a:lvl1pPr>
-            <a:lvl2pPr marL="167974" indent="0">
-              <a:buNone/>
-              <a:defRPr sz="514"/>
+            <a:lvl2pPr marL="306004" indent="0">
+              <a:buNone/>
+              <a:defRPr sz="937"/>
             </a:lvl2pPr>
-            <a:lvl3pPr marL="335947" indent="0">
-              <a:buNone/>
-              <a:defRPr sz="441"/>
+            <a:lvl3pPr marL="612008" indent="0">
+              <a:buNone/>
+              <a:defRPr sz="803"/>
             </a:lvl3pPr>
-            <a:lvl4pPr marL="503921" indent="0">
-              <a:buNone/>
-              <a:defRPr sz="367"/>
+            <a:lvl4pPr marL="918012" indent="0">
+              <a:buNone/>
+              <a:defRPr sz="669"/>
             </a:lvl4pPr>
-            <a:lvl5pPr marL="671893" indent="0">
-              <a:buNone/>
-              <a:defRPr sz="367"/>
+            <a:lvl5pPr marL="1224016" indent="0">
+              <a:buNone/>
+              <a:defRPr sz="669"/>
             </a:lvl5pPr>
-            <a:lvl6pPr marL="839867" indent="0">
-              <a:buNone/>
-              <a:defRPr sz="367"/>
+            <a:lvl6pPr marL="1530020" indent="0">
+              <a:buNone/>
+              <a:defRPr sz="669"/>
             </a:lvl6pPr>
-            <a:lvl7pPr marL="1007842" indent="0">
-              <a:buNone/>
-              <a:defRPr sz="367"/>
+            <a:lvl7pPr marL="1836024" indent="0">
+              <a:buNone/>
+              <a:defRPr sz="669"/>
             </a:lvl7pPr>
-            <a:lvl8pPr marL="1175814" indent="0">
-              <a:buNone/>
-              <a:defRPr sz="367"/>
+            <a:lvl8pPr marL="2142028" indent="0">
+              <a:buNone/>
+              <a:defRPr sz="669"/>
             </a:lvl8pPr>
-            <a:lvl9pPr marL="1343788" indent="0">
-              <a:buNone/>
-              <a:defRPr sz="367"/>
+            <a:lvl9pPr marL="2448032" indent="0">
+              <a:buNone/>
+              <a:defRPr sz="669"/>
             </a:lvl9pPr>
           </a:lstStyle>
           <a:p>
@@ -2093,7 +2103,7 @@
           <a:p>
             <a:fld id="{56E1CD91-A199-4E48-9401-4E0FA232E7D1}" type="datetimeFigureOut">
               <a:rPr lang="ko-KR" altLang="en-US" smtClean="0"/>
-              <a:t>2025-11-25</a:t>
+              <a:t>2025-11-29</a:t>
             </a:fld>
             <a:endParaRPr lang="ko-KR" altLang="en-US"/>
           </a:p>
@@ -2144,7 +2154,7 @@
     </p:spTree>
     <p:extLst>
       <p:ext uri="{BB962C8B-B14F-4D97-AF65-F5344CB8AC3E}">
-        <p14:creationId xmlns:p14="http://schemas.microsoft.com/office/powerpoint/2010/main" val="421273667"/>
+        <p14:creationId xmlns:p14="http://schemas.microsoft.com/office/powerpoint/2010/main" val="1528359633"/>
       </p:ext>
     </p:extLst>
   </p:cSld>
@@ -2183,15 +2193,15 @@
         </p:nvSpPr>
         <p:spPr>
           <a:xfrm>
-            <a:off x="421536" y="167959"/>
-            <a:ext cx="1973799" cy="587851"/>
+            <a:off x="421534" y="311997"/>
+            <a:ext cx="1973799" cy="1091988"/>
           </a:xfrm>
         </p:spPr>
         <p:txBody>
           <a:bodyPr anchor="b"/>
           <a:lstStyle>
             <a:lvl1pPr>
-              <a:defRPr sz="1176"/>
+              <a:defRPr sz="2142"/>
             </a:lvl1pPr>
           </a:lstStyle>
           <a:p>
@@ -2215,8 +2225,8 @@
         </p:nvSpPr>
         <p:spPr>
           <a:xfrm>
-            <a:off x="2601720" y="362743"/>
-            <a:ext cx="3098155" cy="1790381"/>
+            <a:off x="2601718" y="673827"/>
+            <a:ext cx="3098155" cy="3325798"/>
           </a:xfrm>
         </p:spPr>
         <p:txBody>
@@ -2224,39 +2234,39 @@
           <a:lstStyle>
             <a:lvl1pPr marL="0" indent="0">
               <a:buNone/>
-              <a:defRPr sz="1176"/>
+              <a:defRPr sz="2142"/>
             </a:lvl1pPr>
-            <a:lvl2pPr marL="167974" indent="0">
-              <a:buNone/>
-              <a:defRPr sz="1029"/>
+            <a:lvl2pPr marL="306004" indent="0">
+              <a:buNone/>
+              <a:defRPr sz="1874"/>
             </a:lvl2pPr>
-            <a:lvl3pPr marL="335947" indent="0">
-              <a:buNone/>
-              <a:defRPr sz="882"/>
+            <a:lvl3pPr marL="612008" indent="0">
+              <a:buNone/>
+              <a:defRPr sz="1606"/>
             </a:lvl3pPr>
-            <a:lvl4pPr marL="503921" indent="0">
-              <a:buNone/>
-              <a:defRPr sz="735"/>
+            <a:lvl4pPr marL="918012" indent="0">
+              <a:buNone/>
+              <a:defRPr sz="1339"/>
             </a:lvl4pPr>
-            <a:lvl5pPr marL="671893" indent="0">
-              <a:buNone/>
-              <a:defRPr sz="735"/>
+            <a:lvl5pPr marL="1224016" indent="0">
+              <a:buNone/>
+              <a:defRPr sz="1339"/>
             </a:lvl5pPr>
-            <a:lvl6pPr marL="839867" indent="0">
-              <a:buNone/>
-              <a:defRPr sz="735"/>
+            <a:lvl6pPr marL="1530020" indent="0">
+              <a:buNone/>
+              <a:defRPr sz="1339"/>
             </a:lvl6pPr>
-            <a:lvl7pPr marL="1007842" indent="0">
-              <a:buNone/>
-              <a:defRPr sz="735"/>
+            <a:lvl7pPr marL="1836024" indent="0">
+              <a:buNone/>
+              <a:defRPr sz="1339"/>
             </a:lvl7pPr>
-            <a:lvl8pPr marL="1175814" indent="0">
-              <a:buNone/>
-              <a:defRPr sz="735"/>
+            <a:lvl8pPr marL="2142028" indent="0">
+              <a:buNone/>
+              <a:defRPr sz="1339"/>
             </a:lvl8pPr>
-            <a:lvl9pPr marL="1343788" indent="0">
-              <a:buNone/>
-              <a:defRPr sz="735"/>
+            <a:lvl9pPr marL="2448032" indent="0">
+              <a:buNone/>
+              <a:defRPr sz="1339"/>
             </a:lvl9pPr>
           </a:lstStyle>
           <a:p>
@@ -2280,8 +2290,8 @@
         </p:nvSpPr>
         <p:spPr>
           <a:xfrm>
-            <a:off x="421536" y="755810"/>
-            <a:ext cx="1973799" cy="1400229"/>
+            <a:off x="421534" y="1403985"/>
+            <a:ext cx="1973799" cy="2601056"/>
           </a:xfrm>
         </p:spPr>
         <p:txBody>
@@ -2289,39 +2299,39 @@
           <a:lstStyle>
             <a:lvl1pPr marL="0" indent="0">
               <a:buNone/>
-              <a:defRPr sz="588"/>
+              <a:defRPr sz="1071"/>
             </a:lvl1pPr>
-            <a:lvl2pPr marL="167974" indent="0">
-              <a:buNone/>
-              <a:defRPr sz="514"/>
+            <a:lvl2pPr marL="306004" indent="0">
+              <a:buNone/>
+              <a:defRPr sz="937"/>
             </a:lvl2pPr>
-            <a:lvl3pPr marL="335947" indent="0">
-              <a:buNone/>
-              <a:defRPr sz="441"/>
+            <a:lvl3pPr marL="612008" indent="0">
+              <a:buNone/>
+              <a:defRPr sz="803"/>
             </a:lvl3pPr>
-            <a:lvl4pPr marL="503921" indent="0">
-              <a:buNone/>
-              <a:defRPr sz="367"/>
+            <a:lvl4pPr marL="918012" indent="0">
+              <a:buNone/>
+              <a:defRPr sz="669"/>
             </a:lvl4pPr>
-            <a:lvl5pPr marL="671893" indent="0">
-              <a:buNone/>
-              <a:defRPr sz="367"/>
+            <a:lvl5pPr marL="1224016" indent="0">
+              <a:buNone/>
+              <a:defRPr sz="669"/>
             </a:lvl5pPr>
-            <a:lvl6pPr marL="839867" indent="0">
-              <a:buNone/>
-              <a:defRPr sz="367"/>
+            <a:lvl6pPr marL="1530020" indent="0">
+              <a:buNone/>
+              <a:defRPr sz="669"/>
             </a:lvl6pPr>
-            <a:lvl7pPr marL="1007842" indent="0">
-              <a:buNone/>
-              <a:defRPr sz="367"/>
+            <a:lvl7pPr marL="1836024" indent="0">
+              <a:buNone/>
+              <a:defRPr sz="669"/>
             </a:lvl7pPr>
-            <a:lvl8pPr marL="1175814" indent="0">
-              <a:buNone/>
-              <a:defRPr sz="367"/>
+            <a:lvl8pPr marL="2142028" indent="0">
+              <a:buNone/>
+              <a:defRPr sz="669"/>
             </a:lvl8pPr>
-            <a:lvl9pPr marL="1343788" indent="0">
-              <a:buNone/>
-              <a:defRPr sz="367"/>
+            <a:lvl9pPr marL="2448032" indent="0">
+              <a:buNone/>
+              <a:defRPr sz="669"/>
             </a:lvl9pPr>
           </a:lstStyle>
           <a:p>
@@ -2350,7 +2360,7 @@
           <a:p>
             <a:fld id="{56E1CD91-A199-4E48-9401-4E0FA232E7D1}" type="datetimeFigureOut">
               <a:rPr lang="ko-KR" altLang="en-US" smtClean="0"/>
-              <a:t>2025-11-25</a:t>
+              <a:t>2025-11-29</a:t>
             </a:fld>
             <a:endParaRPr lang="ko-KR" altLang="en-US"/>
           </a:p>
@@ -2401,7 +2411,7 @@
     </p:spTree>
     <p:extLst>
       <p:ext uri="{BB962C8B-B14F-4D97-AF65-F5344CB8AC3E}">
-        <p14:creationId xmlns:p14="http://schemas.microsoft.com/office/powerpoint/2010/main" val="2348491089"/>
+        <p14:creationId xmlns:p14="http://schemas.microsoft.com/office/powerpoint/2010/main" val="3498347022"/>
       </p:ext>
     </p:extLst>
   </p:cSld>
@@ -2445,8 +2455,8 @@
         </p:nvSpPr>
         <p:spPr>
           <a:xfrm>
-            <a:off x="420739" y="134133"/>
-            <a:ext cx="5278339" cy="486960"/>
+            <a:off x="420737" y="249165"/>
+            <a:ext cx="5278339" cy="904574"/>
           </a:xfrm>
           <a:prstGeom prst="rect">
             <a:avLst/>
@@ -2478,8 +2488,8 @@
         </p:nvSpPr>
         <p:spPr>
           <a:xfrm>
-            <a:off x="420739" y="670665"/>
-            <a:ext cx="5278339" cy="1598513"/>
+            <a:off x="420737" y="1245820"/>
+            <a:ext cx="5278339" cy="2969385"/>
           </a:xfrm>
           <a:prstGeom prst="rect">
             <a:avLst/>
@@ -2540,8 +2550,8 @@
         </p:nvSpPr>
         <p:spPr>
           <a:xfrm>
-            <a:off x="420737" y="2335077"/>
-            <a:ext cx="1376958" cy="134133"/>
+            <a:off x="420737" y="4337621"/>
+            <a:ext cx="1376958" cy="249164"/>
           </a:xfrm>
           <a:prstGeom prst="rect">
             <a:avLst/>
@@ -2551,7 +2561,7 @@
           <a:bodyPr vert="horz" lIns="91440" tIns="45720" rIns="91440" bIns="45720" rtlCol="0" anchor="ctr"/>
           <a:lstStyle>
             <a:lvl1pPr algn="l">
-              <a:defRPr sz="441">
+              <a:defRPr sz="803">
                 <a:solidFill>
                   <a:schemeClr val="tx1">
                     <a:tint val="75000"/>
@@ -2563,7 +2573,7 @@
           <a:p>
             <a:fld id="{56E1CD91-A199-4E48-9401-4E0FA232E7D1}" type="datetimeFigureOut">
               <a:rPr lang="ko-KR" altLang="en-US" smtClean="0"/>
-              <a:t>2025-11-25</a:t>
+              <a:t>2025-11-29</a:t>
             </a:fld>
             <a:endParaRPr lang="ko-KR" altLang="en-US"/>
           </a:p>
@@ -2581,8 +2591,8 @@
         </p:nvSpPr>
         <p:spPr>
           <a:xfrm>
-            <a:off x="2027190" y="2335077"/>
-            <a:ext cx="2065437" cy="134133"/>
+            <a:off x="2027188" y="4337621"/>
+            <a:ext cx="2065437" cy="249164"/>
           </a:xfrm>
           <a:prstGeom prst="rect">
             <a:avLst/>
@@ -2592,7 +2602,7 @@
           <a:bodyPr vert="horz" lIns="91440" tIns="45720" rIns="91440" bIns="45720" rtlCol="0" anchor="ctr"/>
           <a:lstStyle>
             <a:lvl1pPr algn="ctr">
-              <a:defRPr sz="441">
+              <a:defRPr sz="803">
                 <a:solidFill>
                   <a:schemeClr val="tx1">
                     <a:tint val="75000"/>
@@ -2618,8 +2628,8 @@
         </p:nvSpPr>
         <p:spPr>
           <a:xfrm>
-            <a:off x="4322118" y="2335077"/>
-            <a:ext cx="1376958" cy="134133"/>
+            <a:off x="4322118" y="4337621"/>
+            <a:ext cx="1376958" cy="249164"/>
           </a:xfrm>
           <a:prstGeom prst="rect">
             <a:avLst/>
@@ -2629,7 +2639,7 @@
           <a:bodyPr vert="horz" lIns="91440" tIns="45720" rIns="91440" bIns="45720" rtlCol="0" anchor="ctr"/>
           <a:lstStyle>
             <a:lvl1pPr algn="r">
-              <a:defRPr sz="441">
+              <a:defRPr sz="803">
                 <a:solidFill>
                   <a:schemeClr val="tx1">
                     <a:tint val="75000"/>
@@ -2650,27 +2660,27 @@
     </p:spTree>
     <p:extLst>
       <p:ext uri="{BB962C8B-B14F-4D97-AF65-F5344CB8AC3E}">
-        <p14:creationId xmlns:p14="http://schemas.microsoft.com/office/powerpoint/2010/main" val="134341881"/>
+        <p14:creationId xmlns:p14="http://schemas.microsoft.com/office/powerpoint/2010/main" val="1363114721"/>
       </p:ext>
     </p:extLst>
   </p:cSld>
   <p:clrMap bg1="lt1" tx1="dk1" bg2="lt2" tx2="dk2" accent1="accent1" accent2="accent2" accent3="accent3" accent4="accent4" accent5="accent5" accent6="accent6" hlink="hlink" folHlink="folHlink"/>
   <p:sldLayoutIdLst>
-    <p:sldLayoutId id="2147483685" r:id="rId1"/>
-    <p:sldLayoutId id="2147483686" r:id="rId2"/>
-    <p:sldLayoutId id="2147483687" r:id="rId3"/>
-    <p:sldLayoutId id="2147483688" r:id="rId4"/>
-    <p:sldLayoutId id="2147483689" r:id="rId5"/>
-    <p:sldLayoutId id="2147483690" r:id="rId6"/>
-    <p:sldLayoutId id="2147483691" r:id="rId7"/>
-    <p:sldLayoutId id="2147483692" r:id="rId8"/>
-    <p:sldLayoutId id="2147483693" r:id="rId9"/>
-    <p:sldLayoutId id="2147483694" r:id="rId10"/>
-    <p:sldLayoutId id="2147483695" r:id="rId11"/>
+    <p:sldLayoutId id="2147483709" r:id="rId1"/>
+    <p:sldLayoutId id="2147483710" r:id="rId2"/>
+    <p:sldLayoutId id="2147483711" r:id="rId3"/>
+    <p:sldLayoutId id="2147483712" r:id="rId4"/>
+    <p:sldLayoutId id="2147483713" r:id="rId5"/>
+    <p:sldLayoutId id="2147483714" r:id="rId6"/>
+    <p:sldLayoutId id="2147483715" r:id="rId7"/>
+    <p:sldLayoutId id="2147483716" r:id="rId8"/>
+    <p:sldLayoutId id="2147483717" r:id="rId9"/>
+    <p:sldLayoutId id="2147483718" r:id="rId10"/>
+    <p:sldLayoutId id="2147483719" r:id="rId11"/>
   </p:sldLayoutIdLst>
   <p:txStyles>
     <p:titleStyle>
-      <a:lvl1pPr algn="l" defTabSz="335947" rtl="0" eaLnBrk="1" latinLnBrk="1" hangingPunct="1">
+      <a:lvl1pPr algn="l" defTabSz="612008" rtl="0" eaLnBrk="1" latinLnBrk="1" hangingPunct="1">
         <a:lnSpc>
           <a:spcPct val="90000"/>
         </a:lnSpc>
@@ -2678,7 +2688,7 @@
           <a:spcPct val="0"/>
         </a:spcBef>
         <a:buNone/>
-        <a:defRPr sz="1617" kern="1200">
+        <a:defRPr sz="2945" kern="1200">
           <a:solidFill>
             <a:schemeClr val="tx1"/>
           </a:solidFill>
@@ -2689,16 +2699,16 @@
       </a:lvl1pPr>
     </p:titleStyle>
     <p:bodyStyle>
-      <a:lvl1pPr marL="83987" indent="-83987" algn="l" defTabSz="335947" rtl="0" eaLnBrk="1" latinLnBrk="1" hangingPunct="1">
+      <a:lvl1pPr marL="153002" indent="-153002" algn="l" defTabSz="612008" rtl="0" eaLnBrk="1" latinLnBrk="1" hangingPunct="1">
         <a:lnSpc>
           <a:spcPct val="90000"/>
         </a:lnSpc>
         <a:spcBef>
-          <a:spcPts val="367"/>
+          <a:spcPts val="669"/>
         </a:spcBef>
         <a:buFont typeface="Arial" panose="020B0604020202020204" pitchFamily="34" charset="0"/>
         <a:buChar char="•"/>
-        <a:defRPr sz="1029" kern="1200">
+        <a:defRPr sz="1874" kern="1200">
           <a:solidFill>
             <a:schemeClr val="tx1"/>
           </a:solidFill>
@@ -2707,16 +2717,16 @@
           <a:cs typeface="+mn-cs"/>
         </a:defRPr>
       </a:lvl1pPr>
-      <a:lvl2pPr marL="251960" indent="-83987" algn="l" defTabSz="335947" rtl="0" eaLnBrk="1" latinLnBrk="1" hangingPunct="1">
+      <a:lvl2pPr marL="459006" indent="-153002" algn="l" defTabSz="612008" rtl="0" eaLnBrk="1" latinLnBrk="1" hangingPunct="1">
         <a:lnSpc>
           <a:spcPct val="90000"/>
         </a:lnSpc>
         <a:spcBef>
-          <a:spcPts val="184"/>
+          <a:spcPts val="335"/>
         </a:spcBef>
         <a:buFont typeface="Arial" panose="020B0604020202020204" pitchFamily="34" charset="0"/>
         <a:buChar char="•"/>
-        <a:defRPr sz="882" kern="1200">
+        <a:defRPr sz="1606" kern="1200">
           <a:solidFill>
             <a:schemeClr val="tx1"/>
           </a:solidFill>
@@ -2725,16 +2735,16 @@
           <a:cs typeface="+mn-cs"/>
         </a:defRPr>
       </a:lvl2pPr>
-      <a:lvl3pPr marL="419934" indent="-83987" algn="l" defTabSz="335947" rtl="0" eaLnBrk="1" latinLnBrk="1" hangingPunct="1">
+      <a:lvl3pPr marL="765010" indent="-153002" algn="l" defTabSz="612008" rtl="0" eaLnBrk="1" latinLnBrk="1" hangingPunct="1">
         <a:lnSpc>
           <a:spcPct val="90000"/>
         </a:lnSpc>
         <a:spcBef>
-          <a:spcPts val="184"/>
+          <a:spcPts val="335"/>
         </a:spcBef>
         <a:buFont typeface="Arial" panose="020B0604020202020204" pitchFamily="34" charset="0"/>
         <a:buChar char="•"/>
-        <a:defRPr sz="735" kern="1200">
+        <a:defRPr sz="1339" kern="1200">
           <a:solidFill>
             <a:schemeClr val="tx1"/>
           </a:solidFill>
@@ -2743,16 +2753,16 @@
           <a:cs typeface="+mn-cs"/>
         </a:defRPr>
       </a:lvl3pPr>
-      <a:lvl4pPr marL="587907" indent="-83987" algn="l" defTabSz="335947" rtl="0" eaLnBrk="1" latinLnBrk="1" hangingPunct="1">
+      <a:lvl4pPr marL="1071014" indent="-153002" algn="l" defTabSz="612008" rtl="0" eaLnBrk="1" latinLnBrk="1" hangingPunct="1">
         <a:lnSpc>
           <a:spcPct val="90000"/>
         </a:lnSpc>
         <a:spcBef>
-          <a:spcPts val="184"/>
+          <a:spcPts val="335"/>
         </a:spcBef>
         <a:buFont typeface="Arial" panose="020B0604020202020204" pitchFamily="34" charset="0"/>
         <a:buChar char="•"/>
-        <a:defRPr sz="661" kern="1200">
+        <a:defRPr sz="1205" kern="1200">
           <a:solidFill>
             <a:schemeClr val="tx1"/>
           </a:solidFill>
@@ -2761,16 +2771,16 @@
           <a:cs typeface="+mn-cs"/>
         </a:defRPr>
       </a:lvl4pPr>
-      <a:lvl5pPr marL="755881" indent="-83987" algn="l" defTabSz="335947" rtl="0" eaLnBrk="1" latinLnBrk="1" hangingPunct="1">
+      <a:lvl5pPr marL="1377018" indent="-153002" algn="l" defTabSz="612008" rtl="0" eaLnBrk="1" latinLnBrk="1" hangingPunct="1">
         <a:lnSpc>
           <a:spcPct val="90000"/>
         </a:lnSpc>
         <a:spcBef>
-          <a:spcPts val="184"/>
+          <a:spcPts val="335"/>
         </a:spcBef>
         <a:buFont typeface="Arial" panose="020B0604020202020204" pitchFamily="34" charset="0"/>
         <a:buChar char="•"/>
-        <a:defRPr sz="661" kern="1200">
+        <a:defRPr sz="1205" kern="1200">
           <a:solidFill>
             <a:schemeClr val="tx1"/>
           </a:solidFill>
@@ -2779,16 +2789,16 @@
           <a:cs typeface="+mn-cs"/>
         </a:defRPr>
       </a:lvl5pPr>
-      <a:lvl6pPr marL="923854" indent="-83987" algn="l" defTabSz="335947" rtl="0" eaLnBrk="1" latinLnBrk="1" hangingPunct="1">
+      <a:lvl6pPr marL="1683022" indent="-153002" algn="l" defTabSz="612008" rtl="0" eaLnBrk="1" latinLnBrk="1" hangingPunct="1">
         <a:lnSpc>
           <a:spcPct val="90000"/>
         </a:lnSpc>
         <a:spcBef>
-          <a:spcPts val="184"/>
+          <a:spcPts val="335"/>
         </a:spcBef>
         <a:buFont typeface="Arial" panose="020B0604020202020204" pitchFamily="34" charset="0"/>
         <a:buChar char="•"/>
-        <a:defRPr sz="661" kern="1200">
+        <a:defRPr sz="1205" kern="1200">
           <a:solidFill>
             <a:schemeClr val="tx1"/>
           </a:solidFill>
@@ -2797,16 +2807,16 @@
           <a:cs typeface="+mn-cs"/>
         </a:defRPr>
       </a:lvl6pPr>
-      <a:lvl7pPr marL="1091827" indent="-83987" algn="l" defTabSz="335947" rtl="0" eaLnBrk="1" latinLnBrk="1" hangingPunct="1">
+      <a:lvl7pPr marL="1989026" indent="-153002" algn="l" defTabSz="612008" rtl="0" eaLnBrk="1" latinLnBrk="1" hangingPunct="1">
         <a:lnSpc>
           <a:spcPct val="90000"/>
         </a:lnSpc>
         <a:spcBef>
-          <a:spcPts val="184"/>
+          <a:spcPts val="335"/>
         </a:spcBef>
         <a:buFont typeface="Arial" panose="020B0604020202020204" pitchFamily="34" charset="0"/>
         <a:buChar char="•"/>
-        <a:defRPr sz="661" kern="1200">
+        <a:defRPr sz="1205" kern="1200">
           <a:solidFill>
             <a:schemeClr val="tx1"/>
           </a:solidFill>
@@ -2815,16 +2825,16 @@
           <a:cs typeface="+mn-cs"/>
         </a:defRPr>
       </a:lvl7pPr>
-      <a:lvl8pPr marL="1259802" indent="-83987" algn="l" defTabSz="335947" rtl="0" eaLnBrk="1" latinLnBrk="1" hangingPunct="1">
+      <a:lvl8pPr marL="2295030" indent="-153002" algn="l" defTabSz="612008" rtl="0" eaLnBrk="1" latinLnBrk="1" hangingPunct="1">
         <a:lnSpc>
           <a:spcPct val="90000"/>
         </a:lnSpc>
         <a:spcBef>
-          <a:spcPts val="184"/>
+          <a:spcPts val="335"/>
         </a:spcBef>
         <a:buFont typeface="Arial" panose="020B0604020202020204" pitchFamily="34" charset="0"/>
         <a:buChar char="•"/>
-        <a:defRPr sz="661" kern="1200">
+        <a:defRPr sz="1205" kern="1200">
           <a:solidFill>
             <a:schemeClr val="tx1"/>
           </a:solidFill>
@@ -2833,16 +2843,16 @@
           <a:cs typeface="+mn-cs"/>
         </a:defRPr>
       </a:lvl8pPr>
-      <a:lvl9pPr marL="1427775" indent="-83987" algn="l" defTabSz="335947" rtl="0" eaLnBrk="1" latinLnBrk="1" hangingPunct="1">
+      <a:lvl9pPr marL="2601034" indent="-153002" algn="l" defTabSz="612008" rtl="0" eaLnBrk="1" latinLnBrk="1" hangingPunct="1">
         <a:lnSpc>
           <a:spcPct val="90000"/>
         </a:lnSpc>
         <a:spcBef>
-          <a:spcPts val="184"/>
+          <a:spcPts val="335"/>
         </a:spcBef>
         <a:buFont typeface="Arial" panose="020B0604020202020204" pitchFamily="34" charset="0"/>
         <a:buChar char="•"/>
-        <a:defRPr sz="661" kern="1200">
+        <a:defRPr sz="1205" kern="1200">
           <a:solidFill>
             <a:schemeClr val="tx1"/>
           </a:solidFill>
@@ -2856,8 +2866,8 @@
       <a:defPPr>
         <a:defRPr lang="en-US"/>
       </a:defPPr>
-      <a:lvl1pPr marL="0" algn="l" defTabSz="335947" rtl="0" eaLnBrk="1" latinLnBrk="1" hangingPunct="1">
-        <a:defRPr sz="661" kern="1200">
+      <a:lvl1pPr marL="0" algn="l" defTabSz="612008" rtl="0" eaLnBrk="1" latinLnBrk="1" hangingPunct="1">
+        <a:defRPr sz="1205" kern="1200">
           <a:solidFill>
             <a:schemeClr val="tx1"/>
           </a:solidFill>
@@ -2866,8 +2876,8 @@
           <a:cs typeface="+mn-cs"/>
         </a:defRPr>
       </a:lvl1pPr>
-      <a:lvl2pPr marL="167974" algn="l" defTabSz="335947" rtl="0" eaLnBrk="1" latinLnBrk="1" hangingPunct="1">
-        <a:defRPr sz="661" kern="1200">
+      <a:lvl2pPr marL="306004" algn="l" defTabSz="612008" rtl="0" eaLnBrk="1" latinLnBrk="1" hangingPunct="1">
+        <a:defRPr sz="1205" kern="1200">
           <a:solidFill>
             <a:schemeClr val="tx1"/>
           </a:solidFill>
@@ -2876,8 +2886,8 @@
           <a:cs typeface="+mn-cs"/>
         </a:defRPr>
       </a:lvl2pPr>
-      <a:lvl3pPr marL="335947" algn="l" defTabSz="335947" rtl="0" eaLnBrk="1" latinLnBrk="1" hangingPunct="1">
-        <a:defRPr sz="661" kern="1200">
+      <a:lvl3pPr marL="612008" algn="l" defTabSz="612008" rtl="0" eaLnBrk="1" latinLnBrk="1" hangingPunct="1">
+        <a:defRPr sz="1205" kern="1200">
           <a:solidFill>
             <a:schemeClr val="tx1"/>
           </a:solidFill>
@@ -2886,8 +2896,8 @@
           <a:cs typeface="+mn-cs"/>
         </a:defRPr>
       </a:lvl3pPr>
-      <a:lvl4pPr marL="503921" algn="l" defTabSz="335947" rtl="0" eaLnBrk="1" latinLnBrk="1" hangingPunct="1">
-        <a:defRPr sz="661" kern="1200">
+      <a:lvl4pPr marL="918012" algn="l" defTabSz="612008" rtl="0" eaLnBrk="1" latinLnBrk="1" hangingPunct="1">
+        <a:defRPr sz="1205" kern="1200">
           <a:solidFill>
             <a:schemeClr val="tx1"/>
           </a:solidFill>
@@ -2896,8 +2906,8 @@
           <a:cs typeface="+mn-cs"/>
         </a:defRPr>
       </a:lvl4pPr>
-      <a:lvl5pPr marL="671893" algn="l" defTabSz="335947" rtl="0" eaLnBrk="1" latinLnBrk="1" hangingPunct="1">
-        <a:defRPr sz="661" kern="1200">
+      <a:lvl5pPr marL="1224016" algn="l" defTabSz="612008" rtl="0" eaLnBrk="1" latinLnBrk="1" hangingPunct="1">
+        <a:defRPr sz="1205" kern="1200">
           <a:solidFill>
             <a:schemeClr val="tx1"/>
           </a:solidFill>
@@ -2906,8 +2916,8 @@
           <a:cs typeface="+mn-cs"/>
         </a:defRPr>
       </a:lvl5pPr>
-      <a:lvl6pPr marL="839867" algn="l" defTabSz="335947" rtl="0" eaLnBrk="1" latinLnBrk="1" hangingPunct="1">
-        <a:defRPr sz="661" kern="1200">
+      <a:lvl6pPr marL="1530020" algn="l" defTabSz="612008" rtl="0" eaLnBrk="1" latinLnBrk="1" hangingPunct="1">
+        <a:defRPr sz="1205" kern="1200">
           <a:solidFill>
             <a:schemeClr val="tx1"/>
           </a:solidFill>
@@ -2916,8 +2926,8 @@
           <a:cs typeface="+mn-cs"/>
         </a:defRPr>
       </a:lvl6pPr>
-      <a:lvl7pPr marL="1007842" algn="l" defTabSz="335947" rtl="0" eaLnBrk="1" latinLnBrk="1" hangingPunct="1">
-        <a:defRPr sz="661" kern="1200">
+      <a:lvl7pPr marL="1836024" algn="l" defTabSz="612008" rtl="0" eaLnBrk="1" latinLnBrk="1" hangingPunct="1">
+        <a:defRPr sz="1205" kern="1200">
           <a:solidFill>
             <a:schemeClr val="tx1"/>
           </a:solidFill>
@@ -2926,8 +2936,8 @@
           <a:cs typeface="+mn-cs"/>
         </a:defRPr>
       </a:lvl7pPr>
-      <a:lvl8pPr marL="1175814" algn="l" defTabSz="335947" rtl="0" eaLnBrk="1" latinLnBrk="1" hangingPunct="1">
-        <a:defRPr sz="661" kern="1200">
+      <a:lvl8pPr marL="2142028" algn="l" defTabSz="612008" rtl="0" eaLnBrk="1" latinLnBrk="1" hangingPunct="1">
+        <a:defRPr sz="1205" kern="1200">
           <a:solidFill>
             <a:schemeClr val="tx1"/>
           </a:solidFill>
@@ -2936,8 +2946,8 @@
           <a:cs typeface="+mn-cs"/>
         </a:defRPr>
       </a:lvl8pPr>
-      <a:lvl9pPr marL="1343788" algn="l" defTabSz="335947" rtl="0" eaLnBrk="1" latinLnBrk="1" hangingPunct="1">
-        <a:defRPr sz="661" kern="1200">
+      <a:lvl9pPr marL="2448032" algn="l" defTabSz="612008" rtl="0" eaLnBrk="1" latinLnBrk="1" hangingPunct="1">
+        <a:defRPr sz="1205" kern="1200">
           <a:solidFill>
             <a:schemeClr val="tx1"/>
           </a:solidFill>
@@ -2956,7 +2966,13 @@
   <p:cSld>
     <p:spTree>
       <p:nvGrpSpPr>
-        <p:cNvPr id="1" name=""/>
+        <p:cNvPr id="1" name="">
+          <a:extLst>
+            <a:ext uri="{FF2B5EF4-FFF2-40B4-BE49-F238E27FC236}">
+              <a16:creationId xmlns:a16="http://schemas.microsoft.com/office/drawing/2014/main" id="{6C81C384-F592-F912-97C2-68D6C964B774}"/>
+            </a:ext>
+          </a:extLst>
+        </p:cNvPr>
         <p:cNvGrpSpPr/>
         <p:nvPr/>
       </p:nvGrpSpPr>
@@ -2970,10 +2986,10 @@
       </p:grpSpPr>
       <p:pic>
         <p:nvPicPr>
-          <p:cNvPr id="34" name="그림 33">
+          <p:cNvPr id="2" name="그림 1">
             <a:extLst>
               <a:ext uri="{FF2B5EF4-FFF2-40B4-BE49-F238E27FC236}">
-                <a16:creationId xmlns:a16="http://schemas.microsoft.com/office/drawing/2014/main" id="{F6258AF5-3347-B0B2-0CA8-82A29E110BFE}"/>
+                <a16:creationId xmlns:a16="http://schemas.microsoft.com/office/drawing/2014/main" id="{E1C98F0D-5FFE-F5E6-3460-334ADE026251}"/>
               </a:ext>
             </a:extLst>
           </p:cNvPr>
@@ -2996,204 +3012,20 @@
         </p:blipFill>
         <p:spPr>
           <a:xfrm>
-            <a:off x="15878" y="13935"/>
-            <a:ext cx="1581085" cy="1109161"/>
+            <a:off x="3192857" y="2408260"/>
+            <a:ext cx="2903884" cy="2034480"/>
           </a:xfrm>
           <a:prstGeom prst="rect">
             <a:avLst/>
           </a:prstGeom>
         </p:spPr>
       </p:pic>
-      <p:sp>
-        <p:nvSpPr>
-          <p:cNvPr id="30" name="TextBox 29">
+      <p:pic>
+        <p:nvPicPr>
+          <p:cNvPr id="4" name="그림 3">
             <a:extLst>
               <a:ext uri="{FF2B5EF4-FFF2-40B4-BE49-F238E27FC236}">
-                <a16:creationId xmlns:a16="http://schemas.microsoft.com/office/drawing/2014/main" id="{1CED9980-F7A1-D35F-FD8A-F39294253ED5}"/>
-              </a:ext>
-            </a:extLst>
-          </p:cNvPr>
-          <p:cNvSpPr txBox="1"/>
-          <p:nvPr/>
-        </p:nvSpPr>
-        <p:spPr>
-          <a:xfrm>
-            <a:off x="855735" y="1102736"/>
-            <a:ext cx="1460500" cy="215444"/>
-          </a:xfrm>
-          <a:prstGeom prst="rect">
-            <a:avLst/>
-          </a:prstGeom>
-          <a:noFill/>
-        </p:spPr>
-        <p:txBody>
-          <a:bodyPr wrap="square" rtlCol="0">
-            <a:spAutoFit/>
-          </a:bodyPr>
-          <a:lstStyle/>
-          <a:p>
-            <a:pPr algn="ctr"/>
-            <a:r>
-              <a:rPr lang="en-US" altLang="ko-KR" sz="800" dirty="0">
-                <a:latin typeface="Sans Serif Collection" panose="020B0502040504020204" pitchFamily="34" charset="0"/>
-                <a:ea typeface="Sans Serif Collection" panose="020B0502040504020204" pitchFamily="34" charset="0"/>
-                <a:cs typeface="Sans Serif Collection" panose="020B0502040504020204" pitchFamily="34" charset="0"/>
-              </a:rPr>
-              <a:t>(a) </a:t>
-            </a:r>
-            <a:r>
-              <a:rPr lang="en-US" altLang="ko-KR" sz="800" dirty="0" err="1">
-                <a:latin typeface="Sans Serif Collection" panose="020B0502040504020204" pitchFamily="34" charset="0"/>
-                <a:ea typeface="Sans Serif Collection" panose="020B0502040504020204" pitchFamily="34" charset="0"/>
-                <a:cs typeface="Sans Serif Collection" panose="020B0502040504020204" pitchFamily="34" charset="0"/>
-              </a:rPr>
-              <a:t>FreeSolv</a:t>
-            </a:r>
-            <a:endParaRPr lang="ko-KR" altLang="en-US" sz="800" dirty="0">
-              <a:latin typeface="Sans Serif Collection" panose="020B0502040504020204" pitchFamily="34" charset="0"/>
-              <a:cs typeface="Sans Serif Collection" panose="020B0502040504020204" pitchFamily="34" charset="0"/>
-            </a:endParaRPr>
-          </a:p>
-        </p:txBody>
-      </p:sp>
-      <p:sp>
-        <p:nvSpPr>
-          <p:cNvPr id="31" name="TextBox 30">
-            <a:extLst>
-              <a:ext uri="{FF2B5EF4-FFF2-40B4-BE49-F238E27FC236}">
-                <a16:creationId xmlns:a16="http://schemas.microsoft.com/office/drawing/2014/main" id="{19AC86FA-DFF8-F9FF-35A1-2FDB110C4B35}"/>
-              </a:ext>
-            </a:extLst>
-          </p:cNvPr>
-          <p:cNvSpPr txBox="1"/>
-          <p:nvPr/>
-        </p:nvSpPr>
-        <p:spPr>
-          <a:xfrm>
-            <a:off x="855735" y="2348370"/>
-            <a:ext cx="1460500" cy="215444"/>
-          </a:xfrm>
-          <a:prstGeom prst="rect">
-            <a:avLst/>
-          </a:prstGeom>
-          <a:noFill/>
-        </p:spPr>
-        <p:txBody>
-          <a:bodyPr wrap="square" rtlCol="0">
-            <a:spAutoFit/>
-          </a:bodyPr>
-          <a:lstStyle/>
-          <a:p>
-            <a:pPr algn="ctr"/>
-            <a:r>
-              <a:rPr lang="en-US" altLang="ko-KR" sz="800" dirty="0">
-                <a:latin typeface="Sans Serif Collection" panose="020B0502040504020204" pitchFamily="34" charset="0"/>
-                <a:ea typeface="Sans Serif Collection" panose="020B0502040504020204" pitchFamily="34" charset="0"/>
-                <a:cs typeface="Sans Serif Collection" panose="020B0502040504020204" pitchFamily="34" charset="0"/>
-              </a:rPr>
-              <a:t>(c) Vapor Pressure</a:t>
-            </a:r>
-            <a:endParaRPr lang="ko-KR" altLang="en-US" sz="800" dirty="0">
-              <a:latin typeface="Sans Serif Collection" panose="020B0502040504020204" pitchFamily="34" charset="0"/>
-              <a:cs typeface="Sans Serif Collection" panose="020B0502040504020204" pitchFamily="34" charset="0"/>
-            </a:endParaRPr>
-          </a:p>
-        </p:txBody>
-      </p:sp>
-      <p:sp>
-        <p:nvSpPr>
-          <p:cNvPr id="32" name="TextBox 31">
-            <a:extLst>
-              <a:ext uri="{FF2B5EF4-FFF2-40B4-BE49-F238E27FC236}">
-                <a16:creationId xmlns:a16="http://schemas.microsoft.com/office/drawing/2014/main" id="{DE0F6565-233D-9F07-72E8-9C300B441801}"/>
-              </a:ext>
-            </a:extLst>
-          </p:cNvPr>
-          <p:cNvSpPr txBox="1"/>
-          <p:nvPr/>
-        </p:nvSpPr>
-        <p:spPr>
-          <a:xfrm>
-            <a:off x="3954787" y="1100871"/>
-            <a:ext cx="1460500" cy="215444"/>
-          </a:xfrm>
-          <a:prstGeom prst="rect">
-            <a:avLst/>
-          </a:prstGeom>
-          <a:noFill/>
-        </p:spPr>
-        <p:txBody>
-          <a:bodyPr wrap="square" rtlCol="0">
-            <a:spAutoFit/>
-          </a:bodyPr>
-          <a:lstStyle/>
-          <a:p>
-            <a:pPr algn="ctr"/>
-            <a:r>
-              <a:rPr lang="en-US" altLang="ko-KR" sz="800" dirty="0">
-                <a:latin typeface="Sans Serif Collection" panose="020B0502040504020204" pitchFamily="34" charset="0"/>
-                <a:ea typeface="Sans Serif Collection" panose="020B0502040504020204" pitchFamily="34" charset="0"/>
-                <a:cs typeface="Sans Serif Collection" panose="020B0502040504020204" pitchFamily="34" charset="0"/>
-              </a:rPr>
-              <a:t>(b) ESOL</a:t>
-            </a:r>
-            <a:endParaRPr lang="ko-KR" altLang="en-US" sz="800" dirty="0">
-              <a:latin typeface="Sans Serif Collection" panose="020B0502040504020204" pitchFamily="34" charset="0"/>
-              <a:cs typeface="Sans Serif Collection" panose="020B0502040504020204" pitchFamily="34" charset="0"/>
-            </a:endParaRPr>
-          </a:p>
-        </p:txBody>
-      </p:sp>
-      <p:sp>
-        <p:nvSpPr>
-          <p:cNvPr id="33" name="TextBox 32">
-            <a:extLst>
-              <a:ext uri="{FF2B5EF4-FFF2-40B4-BE49-F238E27FC236}">
-                <a16:creationId xmlns:a16="http://schemas.microsoft.com/office/drawing/2014/main" id="{46ED561A-B4B3-B4AA-F7B3-9D5B213CAD12}"/>
-              </a:ext>
-            </a:extLst>
-          </p:cNvPr>
-          <p:cNvSpPr txBox="1"/>
-          <p:nvPr/>
-        </p:nvSpPr>
-        <p:spPr>
-          <a:xfrm>
-            <a:off x="3954787" y="2348370"/>
-            <a:ext cx="1460500" cy="215444"/>
-          </a:xfrm>
-          <a:prstGeom prst="rect">
-            <a:avLst/>
-          </a:prstGeom>
-          <a:noFill/>
-        </p:spPr>
-        <p:txBody>
-          <a:bodyPr wrap="square" rtlCol="0">
-            <a:spAutoFit/>
-          </a:bodyPr>
-          <a:lstStyle/>
-          <a:p>
-            <a:pPr algn="ctr"/>
-            <a:r>
-              <a:rPr lang="en-US" altLang="ko-KR" sz="800" dirty="0">
-                <a:latin typeface="Sans Serif Collection" panose="020B0502040504020204" pitchFamily="34" charset="0"/>
-                <a:ea typeface="Sans Serif Collection" panose="020B0502040504020204" pitchFamily="34" charset="0"/>
-                <a:cs typeface="Sans Serif Collection" panose="020B0502040504020204" pitchFamily="34" charset="0"/>
-              </a:rPr>
-              <a:t>(d) Solubility</a:t>
-            </a:r>
-            <a:endParaRPr lang="ko-KR" altLang="en-US" sz="800" dirty="0">
-              <a:latin typeface="Sans Serif Collection" panose="020B0502040504020204" pitchFamily="34" charset="0"/>
-              <a:cs typeface="Sans Serif Collection" panose="020B0502040504020204" pitchFamily="34" charset="0"/>
-            </a:endParaRPr>
-          </a:p>
-        </p:txBody>
-      </p:sp>
-      <p:pic>
-        <p:nvPicPr>
-          <p:cNvPr id="35" name="그림 34">
-            <a:extLst>
-              <a:ext uri="{FF2B5EF4-FFF2-40B4-BE49-F238E27FC236}">
-                <a16:creationId xmlns:a16="http://schemas.microsoft.com/office/drawing/2014/main" id="{6284A629-1EBA-D6AA-C348-E767349992FD}"/>
+                <a16:creationId xmlns:a16="http://schemas.microsoft.com/office/drawing/2014/main" id="{4032E556-1D7C-5C0E-5B39-5F5CE7FDAD67}"/>
               </a:ext>
             </a:extLst>
           </p:cNvPr>
@@ -3216,20 +3048,80 @@
         </p:blipFill>
         <p:spPr>
           <a:xfrm>
-            <a:off x="1421233" y="13934"/>
-            <a:ext cx="1581084" cy="1109160"/>
+            <a:off x="23066" y="2411335"/>
+            <a:ext cx="2903883" cy="2034479"/>
           </a:xfrm>
           <a:prstGeom prst="rect">
             <a:avLst/>
           </a:prstGeom>
         </p:spPr>
       </p:pic>
+      <p:sp>
+        <p:nvSpPr>
+          <p:cNvPr id="30" name="TextBox 29">
+            <a:extLst>
+              <a:ext uri="{FF2B5EF4-FFF2-40B4-BE49-F238E27FC236}">
+                <a16:creationId xmlns:a16="http://schemas.microsoft.com/office/drawing/2014/main" id="{355BC020-11C7-1C76-E84B-2BEBA43962A6}"/>
+              </a:ext>
+            </a:extLst>
+          </p:cNvPr>
+          <p:cNvSpPr txBox="1"/>
+          <p:nvPr/>
+        </p:nvSpPr>
+        <p:spPr>
+          <a:xfrm>
+            <a:off x="718310" y="2106555"/>
+            <a:ext cx="1917483" cy="246221"/>
+          </a:xfrm>
+          <a:prstGeom prst="rect">
+            <a:avLst/>
+          </a:prstGeom>
+          <a:noFill/>
+        </p:spPr>
+        <p:txBody>
+          <a:bodyPr wrap="square" rtlCol="0">
+            <a:spAutoFit/>
+          </a:bodyPr>
+          <a:lstStyle/>
+          <a:p>
+            <a:pPr algn="ctr"/>
+            <a:r>
+              <a:rPr lang="en-US" altLang="ko-KR" sz="1000" dirty="0">
+                <a:latin typeface="Sans Serif Collection" panose="020B0502040504020204" pitchFamily="34" charset="0"/>
+                <a:ea typeface="Sans Serif Collection" panose="020B0502040504020204" pitchFamily="34" charset="0"/>
+                <a:cs typeface="Sans Serif Collection" panose="020B0502040504020204" pitchFamily="34" charset="0"/>
+              </a:rPr>
+              <a:t>(a) </a:t>
+            </a:r>
+            <a:r>
+              <a:rPr lang="en-US" altLang="ko-KR" sz="1000" dirty="0" err="1">
+                <a:latin typeface="Sans Serif Collection" panose="020B0502040504020204" pitchFamily="34" charset="0"/>
+                <a:ea typeface="Sans Serif Collection" panose="020B0502040504020204" pitchFamily="34" charset="0"/>
+                <a:cs typeface="Sans Serif Collection" panose="020B0502040504020204" pitchFamily="34" charset="0"/>
+              </a:rPr>
+              <a:t>FreeSolv</a:t>
+            </a:r>
+            <a:r>
+              <a:rPr lang="en-US" altLang="ko-KR" sz="1000" dirty="0">
+                <a:latin typeface="Sans Serif Collection" panose="020B0502040504020204" pitchFamily="34" charset="0"/>
+                <a:ea typeface="Sans Serif Collection" panose="020B0502040504020204" pitchFamily="34" charset="0"/>
+                <a:cs typeface="Sans Serif Collection" panose="020B0502040504020204" pitchFamily="34" charset="0"/>
+              </a:rPr>
+              <a:t>, Concatenation</a:t>
+            </a:r>
+            <a:endParaRPr lang="ko-KR" altLang="en-US" sz="1000" dirty="0">
+              <a:latin typeface="Sans Serif Collection" panose="020B0502040504020204" pitchFamily="34" charset="0"/>
+              <a:cs typeface="Sans Serif Collection" panose="020B0502040504020204" pitchFamily="34" charset="0"/>
+            </a:endParaRPr>
+          </a:p>
+        </p:txBody>
+      </p:sp>
       <p:pic>
         <p:nvPicPr>
-          <p:cNvPr id="36" name="그림 35">
+          <p:cNvPr id="35" name="그림 34">
             <a:extLst>
               <a:ext uri="{FF2B5EF4-FFF2-40B4-BE49-F238E27FC236}">
-                <a16:creationId xmlns:a16="http://schemas.microsoft.com/office/drawing/2014/main" id="{65F02A60-29F3-D60F-654F-D110A3C396B5}"/>
+                <a16:creationId xmlns:a16="http://schemas.microsoft.com/office/drawing/2014/main" id="{CD45D9C4-EAA1-D1ED-F104-31695EAC53A7}"/>
               </a:ext>
             </a:extLst>
           </p:cNvPr>
@@ -3252,8 +3144,8 @@
         </p:blipFill>
         <p:spPr>
           <a:xfrm>
-            <a:off x="3127011" y="23422"/>
-            <a:ext cx="1567541" cy="1098230"/>
+            <a:off x="3196633" y="25957"/>
+            <a:ext cx="2900108" cy="2034480"/>
           </a:xfrm>
           <a:prstGeom prst="rect">
             <a:avLst/>
@@ -3262,10 +3154,10 @@
       </p:pic>
       <p:pic>
         <p:nvPicPr>
-          <p:cNvPr id="37" name="그림 36">
+          <p:cNvPr id="7" name="그림 6">
             <a:extLst>
               <a:ext uri="{FF2B5EF4-FFF2-40B4-BE49-F238E27FC236}">
-                <a16:creationId xmlns:a16="http://schemas.microsoft.com/office/drawing/2014/main" id="{9CA00E2C-E513-FFD0-9F77-078D5B4AAA1B}"/>
+                <a16:creationId xmlns:a16="http://schemas.microsoft.com/office/drawing/2014/main" id="{E9C6EBD6-C060-AA88-2F63-E34BBD69CD8D}"/>
               </a:ext>
             </a:extLst>
           </p:cNvPr>
@@ -3288,20 +3180,380 @@
         </p:blipFill>
         <p:spPr>
           <a:xfrm>
-            <a:off x="4520282" y="13934"/>
-            <a:ext cx="1581085" cy="1107718"/>
+            <a:off x="23070" y="25957"/>
+            <a:ext cx="2900107" cy="2034479"/>
           </a:xfrm>
           <a:prstGeom prst="rect">
             <a:avLst/>
           </a:prstGeom>
         </p:spPr>
       </p:pic>
+      <p:sp>
+        <p:nvSpPr>
+          <p:cNvPr id="8" name="TextBox 7">
+            <a:extLst>
+              <a:ext uri="{FF2B5EF4-FFF2-40B4-BE49-F238E27FC236}">
+                <a16:creationId xmlns:a16="http://schemas.microsoft.com/office/drawing/2014/main" id="{8BB73895-EB10-E9D8-8109-E4A0C75A6365}"/>
+              </a:ext>
+            </a:extLst>
+          </p:cNvPr>
+          <p:cNvSpPr txBox="1"/>
+          <p:nvPr/>
+        </p:nvSpPr>
+        <p:spPr>
+          <a:xfrm>
+            <a:off x="718310" y="4463061"/>
+            <a:ext cx="1917483" cy="246221"/>
+          </a:xfrm>
+          <a:prstGeom prst="rect">
+            <a:avLst/>
+          </a:prstGeom>
+          <a:noFill/>
+        </p:spPr>
+        <p:txBody>
+          <a:bodyPr wrap="square" rtlCol="0">
+            <a:spAutoFit/>
+          </a:bodyPr>
+          <a:lstStyle/>
+          <a:p>
+            <a:pPr algn="ctr"/>
+            <a:r>
+              <a:rPr lang="en-US" altLang="ko-KR" sz="1000" dirty="0">
+                <a:latin typeface="Sans Serif Collection" panose="020B0502040504020204" pitchFamily="34" charset="0"/>
+                <a:ea typeface="Sans Serif Collection" panose="020B0502040504020204" pitchFamily="34" charset="0"/>
+                <a:cs typeface="Sans Serif Collection" panose="020B0502040504020204" pitchFamily="34" charset="0"/>
+              </a:rPr>
+              <a:t>(c) ESOL, Concatenation</a:t>
+            </a:r>
+            <a:endParaRPr lang="ko-KR" altLang="en-US" sz="1000" dirty="0">
+              <a:latin typeface="Sans Serif Collection" panose="020B0502040504020204" pitchFamily="34" charset="0"/>
+              <a:cs typeface="Sans Serif Collection" panose="020B0502040504020204" pitchFamily="34" charset="0"/>
+            </a:endParaRPr>
+          </a:p>
+        </p:txBody>
+      </p:sp>
+      <p:sp>
+        <p:nvSpPr>
+          <p:cNvPr id="9" name="TextBox 8">
+            <a:extLst>
+              <a:ext uri="{FF2B5EF4-FFF2-40B4-BE49-F238E27FC236}">
+                <a16:creationId xmlns:a16="http://schemas.microsoft.com/office/drawing/2014/main" id="{FACFD373-07A0-03DD-00E7-4053BCDFE04C}"/>
+              </a:ext>
+            </a:extLst>
+          </p:cNvPr>
+          <p:cNvSpPr txBox="1"/>
+          <p:nvPr/>
+        </p:nvSpPr>
+        <p:spPr>
+          <a:xfrm>
+            <a:off x="3954996" y="4463061"/>
+            <a:ext cx="1917483" cy="246221"/>
+          </a:xfrm>
+          <a:prstGeom prst="rect">
+            <a:avLst/>
+          </a:prstGeom>
+          <a:noFill/>
+        </p:spPr>
+        <p:txBody>
+          <a:bodyPr wrap="square" rtlCol="0">
+            <a:spAutoFit/>
+          </a:bodyPr>
+          <a:lstStyle/>
+          <a:p>
+            <a:pPr algn="ctr"/>
+            <a:r>
+              <a:rPr lang="en-US" altLang="ko-KR" sz="1000" dirty="0">
+                <a:latin typeface="Sans Serif Collection" panose="020B0502040504020204" pitchFamily="34" charset="0"/>
+                <a:ea typeface="Sans Serif Collection" panose="020B0502040504020204" pitchFamily="34" charset="0"/>
+                <a:cs typeface="Sans Serif Collection" panose="020B0502040504020204" pitchFamily="34" charset="0"/>
+              </a:rPr>
+              <a:t>(d) ESOL, Kronecker-product</a:t>
+            </a:r>
+            <a:endParaRPr lang="ko-KR" altLang="en-US" sz="1000" dirty="0">
+              <a:latin typeface="Sans Serif Collection" panose="020B0502040504020204" pitchFamily="34" charset="0"/>
+              <a:cs typeface="Sans Serif Collection" panose="020B0502040504020204" pitchFamily="34" charset="0"/>
+            </a:endParaRPr>
+          </a:p>
+        </p:txBody>
+      </p:sp>
+      <p:sp>
+        <p:nvSpPr>
+          <p:cNvPr id="10" name="TextBox 9">
+            <a:extLst>
+              <a:ext uri="{FF2B5EF4-FFF2-40B4-BE49-F238E27FC236}">
+                <a16:creationId xmlns:a16="http://schemas.microsoft.com/office/drawing/2014/main" id="{F39D27C0-B075-792A-C5E7-E5EC5C0536A4}"/>
+              </a:ext>
+            </a:extLst>
+          </p:cNvPr>
+          <p:cNvSpPr txBox="1"/>
+          <p:nvPr/>
+        </p:nvSpPr>
+        <p:spPr>
+          <a:xfrm>
+            <a:off x="3850491" y="2106555"/>
+            <a:ext cx="2100365" cy="246221"/>
+          </a:xfrm>
+          <a:prstGeom prst="rect">
+            <a:avLst/>
+          </a:prstGeom>
+          <a:noFill/>
+        </p:spPr>
+        <p:txBody>
+          <a:bodyPr wrap="square" rtlCol="0">
+            <a:spAutoFit/>
+          </a:bodyPr>
+          <a:lstStyle/>
+          <a:p>
+            <a:pPr algn="ctr"/>
+            <a:r>
+              <a:rPr lang="en-US" altLang="ko-KR" sz="1000" dirty="0">
+                <a:latin typeface="Sans Serif Collection" panose="020B0502040504020204" pitchFamily="34" charset="0"/>
+                <a:ea typeface="Sans Serif Collection" panose="020B0502040504020204" pitchFamily="34" charset="0"/>
+                <a:cs typeface="Sans Serif Collection" panose="020B0502040504020204" pitchFamily="34" charset="0"/>
+              </a:rPr>
+              <a:t>(b) </a:t>
+            </a:r>
+            <a:r>
+              <a:rPr lang="en-US" altLang="ko-KR" sz="1000" dirty="0" err="1">
+                <a:latin typeface="Sans Serif Collection" panose="020B0502040504020204" pitchFamily="34" charset="0"/>
+                <a:ea typeface="Sans Serif Collection" panose="020B0502040504020204" pitchFamily="34" charset="0"/>
+                <a:cs typeface="Sans Serif Collection" panose="020B0502040504020204" pitchFamily="34" charset="0"/>
+              </a:rPr>
+              <a:t>FreeSolv</a:t>
+            </a:r>
+            <a:r>
+              <a:rPr lang="en-US" altLang="ko-KR" sz="1000" dirty="0">
+                <a:latin typeface="Sans Serif Collection" panose="020B0502040504020204" pitchFamily="34" charset="0"/>
+                <a:ea typeface="Sans Serif Collection" panose="020B0502040504020204" pitchFamily="34" charset="0"/>
+                <a:cs typeface="Sans Serif Collection" panose="020B0502040504020204" pitchFamily="34" charset="0"/>
+              </a:rPr>
+              <a:t>, Kronecker-product</a:t>
+            </a:r>
+            <a:endParaRPr lang="ko-KR" altLang="en-US" sz="1000" dirty="0">
+              <a:latin typeface="Sans Serif Collection" panose="020B0502040504020204" pitchFamily="34" charset="0"/>
+              <a:cs typeface="Sans Serif Collection" panose="020B0502040504020204" pitchFamily="34" charset="0"/>
+            </a:endParaRPr>
+          </a:p>
+        </p:txBody>
+      </p:sp>
+    </p:spTree>
+    <p:extLst>
+      <p:ext uri="{BB962C8B-B14F-4D97-AF65-F5344CB8AC3E}">
+        <p14:creationId xmlns:p14="http://schemas.microsoft.com/office/powerpoint/2010/main" val="4274871294"/>
+      </p:ext>
+    </p:extLst>
+  </p:cSld>
+  <p:clrMapOvr>
+    <a:masterClrMapping/>
+  </p:clrMapOvr>
+</p:sld>
+</file>
+
+<file path=ppt/slides/slide2.xml><?xml version="1.0" encoding="utf-8"?>
+<p:sld xmlns:a="http://schemas.openxmlformats.org/drawingml/2006/main" xmlns:r="http://schemas.openxmlformats.org/officeDocument/2006/relationships" xmlns:p="http://schemas.openxmlformats.org/presentationml/2006/main">
+  <p:cSld>
+    <p:spTree>
+      <p:nvGrpSpPr>
+        <p:cNvPr id="1" name="">
+          <a:extLst>
+            <a:ext uri="{FF2B5EF4-FFF2-40B4-BE49-F238E27FC236}">
+              <a16:creationId xmlns:a16="http://schemas.microsoft.com/office/drawing/2014/main" id="{3529D5AF-89A7-AAFE-530E-8A2BF875C74D}"/>
+            </a:ext>
+          </a:extLst>
+        </p:cNvPr>
+        <p:cNvGrpSpPr/>
+        <p:nvPr/>
+      </p:nvGrpSpPr>
+      <p:grpSpPr>
+        <a:xfrm>
+          <a:off x="0" y="0"/>
+          <a:ext cx="0" cy="0"/>
+          <a:chOff x="0" y="0"/>
+          <a:chExt cx="0" cy="0"/>
+        </a:xfrm>
+      </p:grpSpPr>
+      <p:sp>
+        <p:nvSpPr>
+          <p:cNvPr id="30" name="TextBox 29">
+            <a:extLst>
+              <a:ext uri="{FF2B5EF4-FFF2-40B4-BE49-F238E27FC236}">
+                <a16:creationId xmlns:a16="http://schemas.microsoft.com/office/drawing/2014/main" id="{61085C87-840C-0BC4-F605-E52B60A5DE81}"/>
+              </a:ext>
+            </a:extLst>
+          </p:cNvPr>
+          <p:cNvSpPr txBox="1"/>
+          <p:nvPr/>
+        </p:nvSpPr>
+        <p:spPr>
+          <a:xfrm>
+            <a:off x="390283" y="2106555"/>
+            <a:ext cx="2396456" cy="246221"/>
+          </a:xfrm>
+          <a:prstGeom prst="rect">
+            <a:avLst/>
+          </a:prstGeom>
+          <a:noFill/>
+        </p:spPr>
+        <p:txBody>
+          <a:bodyPr wrap="square" rtlCol="0">
+            <a:spAutoFit/>
+          </a:bodyPr>
+          <a:lstStyle/>
+          <a:p>
+            <a:pPr algn="ctr"/>
+            <a:r>
+              <a:rPr lang="en-US" altLang="ko-KR" sz="1000" dirty="0">
+                <a:latin typeface="Sans Serif Collection" panose="020B0502040504020204" pitchFamily="34" charset="0"/>
+                <a:ea typeface="Sans Serif Collection" panose="020B0502040504020204" pitchFamily="34" charset="0"/>
+                <a:cs typeface="Sans Serif Collection" panose="020B0502040504020204" pitchFamily="34" charset="0"/>
+              </a:rPr>
+              <a:t>(a) Vapor pressure, Concatenation</a:t>
+            </a:r>
+            <a:endParaRPr lang="ko-KR" altLang="en-US" sz="1000" dirty="0">
+              <a:latin typeface="Sans Serif Collection" panose="020B0502040504020204" pitchFamily="34" charset="0"/>
+              <a:cs typeface="Sans Serif Collection" panose="020B0502040504020204" pitchFamily="34" charset="0"/>
+            </a:endParaRPr>
+          </a:p>
+        </p:txBody>
+      </p:sp>
+      <p:sp>
+        <p:nvSpPr>
+          <p:cNvPr id="8" name="TextBox 7">
+            <a:extLst>
+              <a:ext uri="{FF2B5EF4-FFF2-40B4-BE49-F238E27FC236}">
+                <a16:creationId xmlns:a16="http://schemas.microsoft.com/office/drawing/2014/main" id="{3296FB0A-8614-E7C9-8B20-05ACFED4FB48}"/>
+              </a:ext>
+            </a:extLst>
+          </p:cNvPr>
+          <p:cNvSpPr txBox="1"/>
+          <p:nvPr/>
+        </p:nvSpPr>
+        <p:spPr>
+          <a:xfrm>
+            <a:off x="718310" y="4463061"/>
+            <a:ext cx="1917483" cy="246221"/>
+          </a:xfrm>
+          <a:prstGeom prst="rect">
+            <a:avLst/>
+          </a:prstGeom>
+          <a:noFill/>
+        </p:spPr>
+        <p:txBody>
+          <a:bodyPr wrap="square" rtlCol="0">
+            <a:spAutoFit/>
+          </a:bodyPr>
+          <a:lstStyle/>
+          <a:p>
+            <a:pPr algn="ctr"/>
+            <a:r>
+              <a:rPr lang="en-US" altLang="ko-KR" sz="1000" dirty="0">
+                <a:latin typeface="Sans Serif Collection" panose="020B0502040504020204" pitchFamily="34" charset="0"/>
+                <a:ea typeface="Sans Serif Collection" panose="020B0502040504020204" pitchFamily="34" charset="0"/>
+                <a:cs typeface="Sans Serif Collection" panose="020B0502040504020204" pitchFamily="34" charset="0"/>
+              </a:rPr>
+              <a:t>(c) Solubility, Concatenation</a:t>
+            </a:r>
+            <a:endParaRPr lang="ko-KR" altLang="en-US" sz="1000" dirty="0">
+              <a:latin typeface="Sans Serif Collection" panose="020B0502040504020204" pitchFamily="34" charset="0"/>
+              <a:cs typeface="Sans Serif Collection" panose="020B0502040504020204" pitchFamily="34" charset="0"/>
+            </a:endParaRPr>
+          </a:p>
+        </p:txBody>
+      </p:sp>
+      <p:sp>
+        <p:nvSpPr>
+          <p:cNvPr id="9" name="TextBox 8">
+            <a:extLst>
+              <a:ext uri="{FF2B5EF4-FFF2-40B4-BE49-F238E27FC236}">
+                <a16:creationId xmlns:a16="http://schemas.microsoft.com/office/drawing/2014/main" id="{9CFB1E7B-473D-C9CC-4954-B787FFF53C44}"/>
+              </a:ext>
+            </a:extLst>
+          </p:cNvPr>
+          <p:cNvSpPr txBox="1"/>
+          <p:nvPr/>
+        </p:nvSpPr>
+        <p:spPr>
+          <a:xfrm>
+            <a:off x="3709853" y="4463061"/>
+            <a:ext cx="2177142" cy="246221"/>
+          </a:xfrm>
+          <a:prstGeom prst="rect">
+            <a:avLst/>
+          </a:prstGeom>
+          <a:noFill/>
+        </p:spPr>
+        <p:txBody>
+          <a:bodyPr wrap="square" rtlCol="0">
+            <a:spAutoFit/>
+          </a:bodyPr>
+          <a:lstStyle/>
+          <a:p>
+            <a:pPr algn="ctr"/>
+            <a:r>
+              <a:rPr lang="en-US" altLang="ko-KR" sz="1000" dirty="0">
+                <a:latin typeface="Sans Serif Collection" panose="020B0502040504020204" pitchFamily="34" charset="0"/>
+                <a:ea typeface="Sans Serif Collection" panose="020B0502040504020204" pitchFamily="34" charset="0"/>
+                <a:cs typeface="Sans Serif Collection" panose="020B0502040504020204" pitchFamily="34" charset="0"/>
+              </a:rPr>
+              <a:t>(d) Solubility, Kronecker-product</a:t>
+            </a:r>
+            <a:endParaRPr lang="ko-KR" altLang="en-US" sz="1000" dirty="0">
+              <a:latin typeface="Sans Serif Collection" panose="020B0502040504020204" pitchFamily="34" charset="0"/>
+              <a:cs typeface="Sans Serif Collection" panose="020B0502040504020204" pitchFamily="34" charset="0"/>
+            </a:endParaRPr>
+          </a:p>
+        </p:txBody>
+      </p:sp>
+      <p:sp>
+        <p:nvSpPr>
+          <p:cNvPr id="10" name="TextBox 9">
+            <a:extLst>
+              <a:ext uri="{FF2B5EF4-FFF2-40B4-BE49-F238E27FC236}">
+                <a16:creationId xmlns:a16="http://schemas.microsoft.com/office/drawing/2014/main" id="{B203F4D4-022E-909C-129D-04F6E00692CF}"/>
+              </a:ext>
+            </a:extLst>
+          </p:cNvPr>
+          <p:cNvSpPr txBox="1"/>
+          <p:nvPr/>
+        </p:nvSpPr>
+        <p:spPr>
+          <a:xfrm>
+            <a:off x="3434080" y="2106555"/>
+            <a:ext cx="2525485" cy="246221"/>
+          </a:xfrm>
+          <a:prstGeom prst="rect">
+            <a:avLst/>
+          </a:prstGeom>
+          <a:noFill/>
+        </p:spPr>
+        <p:txBody>
+          <a:bodyPr wrap="square" rtlCol="0">
+            <a:spAutoFit/>
+          </a:bodyPr>
+          <a:lstStyle/>
+          <a:p>
+            <a:pPr algn="ctr"/>
+            <a:r>
+              <a:rPr lang="en-US" altLang="ko-KR" sz="1000" dirty="0">
+                <a:latin typeface="Sans Serif Collection" panose="020B0502040504020204" pitchFamily="34" charset="0"/>
+                <a:ea typeface="Sans Serif Collection" panose="020B0502040504020204" pitchFamily="34" charset="0"/>
+                <a:cs typeface="Sans Serif Collection" panose="020B0502040504020204" pitchFamily="34" charset="0"/>
+              </a:rPr>
+              <a:t>(b) Vapor pressure, Kronecker-product</a:t>
+            </a:r>
+            <a:endParaRPr lang="ko-KR" altLang="en-US" sz="1000" dirty="0">
+              <a:latin typeface="Sans Serif Collection" panose="020B0502040504020204" pitchFamily="34" charset="0"/>
+              <a:cs typeface="Sans Serif Collection" panose="020B0502040504020204" pitchFamily="34" charset="0"/>
+            </a:endParaRPr>
+          </a:p>
+        </p:txBody>
+      </p:sp>
       <p:pic>
         <p:nvPicPr>
-          <p:cNvPr id="38" name="그림 37">
+          <p:cNvPr id="5" name="그림 4">
             <a:extLst>
               <a:ext uri="{FF2B5EF4-FFF2-40B4-BE49-F238E27FC236}">
-                <a16:creationId xmlns:a16="http://schemas.microsoft.com/office/drawing/2014/main" id="{AE8A0B81-ACB7-C59F-8B37-CC92F9ED8F94}"/>
+                <a16:creationId xmlns:a16="http://schemas.microsoft.com/office/drawing/2014/main" id="{0D7153B7-E3BD-DC50-D6F5-826F088AF7D5}"/>
               </a:ext>
             </a:extLst>
           </p:cNvPr>
@@ -3311,7 +3563,7 @@
           <p:nvPr/>
         </p:nvPicPr>
         <p:blipFill>
-          <a:blip r:embed="rId6">
+          <a:blip r:embed="rId2">
             <a:extLst>
               <a:ext uri="{28A0092B-C50C-407E-A947-70E740481C1C}">
                 <a14:useLocalDpi xmlns:a14="http://schemas.microsoft.com/office/drawing/2010/main" val="0"/>
@@ -3324,8 +3576,8 @@
         </p:blipFill>
         <p:spPr>
           <a:xfrm>
-            <a:off x="13531" y="1258786"/>
-            <a:ext cx="1570107" cy="1109159"/>
+            <a:off x="23066" y="25957"/>
+            <a:ext cx="2900108" cy="2048700"/>
           </a:xfrm>
           <a:prstGeom prst="rect">
             <a:avLst/>
@@ -3334,10 +3586,10 @@
       </p:pic>
       <p:pic>
         <p:nvPicPr>
-          <p:cNvPr id="39" name="그림 38">
+          <p:cNvPr id="11" name="그림 10">
             <a:extLst>
               <a:ext uri="{FF2B5EF4-FFF2-40B4-BE49-F238E27FC236}">
-                <a16:creationId xmlns:a16="http://schemas.microsoft.com/office/drawing/2014/main" id="{F4B28562-6AC2-1AAE-C670-972C598497ED}"/>
+                <a16:creationId xmlns:a16="http://schemas.microsoft.com/office/drawing/2014/main" id="{1A24DBE4-6A4F-5530-C099-F3D578518FBC}"/>
               </a:ext>
             </a:extLst>
           </p:cNvPr>
@@ -3347,7 +3599,7 @@
           <p:nvPr/>
         </p:nvPicPr>
         <p:blipFill>
-          <a:blip r:embed="rId7">
+          <a:blip r:embed="rId3">
             <a:extLst>
               <a:ext uri="{28A0092B-C50C-407E-A947-70E740481C1C}">
                 <a14:useLocalDpi xmlns:a14="http://schemas.microsoft.com/office/drawing/2010/main" val="0"/>
@@ -3360,8 +3612,8 @@
         </p:blipFill>
         <p:spPr>
           <a:xfrm>
-            <a:off x="1426721" y="1258787"/>
-            <a:ext cx="1570107" cy="1109158"/>
+            <a:off x="3200177" y="25957"/>
+            <a:ext cx="2900108" cy="2048701"/>
           </a:xfrm>
           <a:prstGeom prst="rect">
             <a:avLst/>
@@ -3370,10 +3622,10 @@
       </p:pic>
       <p:pic>
         <p:nvPicPr>
-          <p:cNvPr id="40" name="그림 39">
+          <p:cNvPr id="13" name="그림 12">
             <a:extLst>
               <a:ext uri="{FF2B5EF4-FFF2-40B4-BE49-F238E27FC236}">
-                <a16:creationId xmlns:a16="http://schemas.microsoft.com/office/drawing/2014/main" id="{D0E68329-07CE-1536-E514-38732B444CF1}"/>
+                <a16:creationId xmlns:a16="http://schemas.microsoft.com/office/drawing/2014/main" id="{E59CAA84-F7FF-1B0D-99F4-84A132A75C65}"/>
               </a:ext>
             </a:extLst>
           </p:cNvPr>
@@ -3383,7 +3635,7 @@
           <p:nvPr/>
         </p:nvPicPr>
         <p:blipFill>
-          <a:blip r:embed="rId8">
+          <a:blip r:embed="rId4">
             <a:extLst>
               <a:ext uri="{28A0092B-C50C-407E-A947-70E740481C1C}">
                 <a14:useLocalDpi xmlns:a14="http://schemas.microsoft.com/office/drawing/2010/main" val="0"/>
@@ -3396,8 +3648,8 @@
         </p:blipFill>
         <p:spPr>
           <a:xfrm>
-            <a:off x="3131039" y="1254965"/>
-            <a:ext cx="1559483" cy="1094007"/>
+            <a:off x="19528" y="2408260"/>
+            <a:ext cx="2900109" cy="2034480"/>
           </a:xfrm>
           <a:prstGeom prst="rect">
             <a:avLst/>
@@ -3406,10 +3658,10 @@
       </p:pic>
       <p:pic>
         <p:nvPicPr>
-          <p:cNvPr id="41" name="그림 40">
+          <p:cNvPr id="15" name="그림 14">
             <a:extLst>
               <a:ext uri="{FF2B5EF4-FFF2-40B4-BE49-F238E27FC236}">
-                <a16:creationId xmlns:a16="http://schemas.microsoft.com/office/drawing/2014/main" id="{EFA762F7-482D-64D7-2B54-FAFC32643BC2}"/>
+                <a16:creationId xmlns:a16="http://schemas.microsoft.com/office/drawing/2014/main" id="{8C5A2346-FA9C-F922-5666-88940C23E138}"/>
               </a:ext>
             </a:extLst>
           </p:cNvPr>
@@ -3419,7 +3671,7 @@
           <p:nvPr/>
         </p:nvPicPr>
         <p:blipFill>
-          <a:blip r:embed="rId9">
+          <a:blip r:embed="rId5">
             <a:extLst>
               <a:ext uri="{28A0092B-C50C-407E-A947-70E740481C1C}">
                 <a14:useLocalDpi xmlns:a14="http://schemas.microsoft.com/office/drawing/2010/main" val="0"/>
@@ -3432,8 +3684,8 @@
         </p:blipFill>
         <p:spPr>
           <a:xfrm>
-            <a:off x="4541884" y="1254965"/>
-            <a:ext cx="1559483" cy="1101653"/>
+            <a:off x="3196638" y="2394038"/>
+            <a:ext cx="2900109" cy="2048701"/>
           </a:xfrm>
           <a:prstGeom prst="rect">
             <a:avLst/>
@@ -3443,7 +3695,7 @@
     </p:spTree>
     <p:extLst>
       <p:ext uri="{BB962C8B-B14F-4D97-AF65-F5344CB8AC3E}">
-        <p14:creationId xmlns:p14="http://schemas.microsoft.com/office/powerpoint/2010/main" val="1388793265"/>
+        <p14:creationId xmlns:p14="http://schemas.microsoft.com/office/powerpoint/2010/main" val="1487082255"/>
       </p:ext>
     </p:extLst>
   </p:cSld>
